--- a/案例教学系统/受控文档/分析设计/PPT/UML/界面原形G02.pptx
+++ b/案例教学系统/受控文档/分析设计/PPT/UML/界面原形G02.pptx
@@ -5,7 +5,7 @@
     <p:sldMasterId id="2147483648" r:id="rId1"/>
   </p:sldMasterIdLst>
   <p:notesMasterIdLst>
-    <p:notesMasterId r:id="rId46"/>
+    <p:notesMasterId r:id="rId48"/>
   </p:notesMasterIdLst>
   <p:sldIdLst>
     <p:sldId id="256" r:id="rId2"/>
@@ -51,7 +51,9 @@
     <p:sldId id="291" r:id="rId42"/>
     <p:sldId id="292" r:id="rId43"/>
     <p:sldId id="293" r:id="rId44"/>
-    <p:sldId id="295" r:id="rId45"/>
+    <p:sldId id="301" r:id="rId45"/>
+    <p:sldId id="302" r:id="rId46"/>
+    <p:sldId id="295" r:id="rId47"/>
   </p:sldIdLst>
   <p:sldSz cx="12192000" cy="6858000"/>
   <p:notesSz cx="6858000" cy="9144000"/>
@@ -20601,7 +20603,7 @@
           </a:ln>
           <a:extLst>
             <a:ext uri="{C572A759-6A51-4108-AA02-DFA0A04FC94B}">
-              <ma14:wrappingTextBoxFlag xmlns:ma14="http://schemas.microsoft.com/office/mac/drawingml/2011/main" xmlns:a14="http://schemas.microsoft.com/office/drawing/2010/main" xmlns:m="http://schemas.openxmlformats.org/officeDocument/2006/math" xmlns="" val="1"/>
+              <ma14:wrappingTextBoxFlag xmlns="" xmlns:m="http://schemas.openxmlformats.org/officeDocument/2006/math" xmlns:a14="http://schemas.microsoft.com/office/drawing/2010/main" xmlns:ma14="http://schemas.microsoft.com/office/mac/drawingml/2011/main" val="1"/>
             </a:ext>
           </a:extLst>
         </p:spPr>
@@ -20640,7 +20642,7 @@
           </a:ln>
           <a:extLst>
             <a:ext uri="{C572A759-6A51-4108-AA02-DFA0A04FC94B}">
-              <ma14:wrappingTextBoxFlag xmlns:ma14="http://schemas.microsoft.com/office/mac/drawingml/2011/main" xmlns:a14="http://schemas.microsoft.com/office/drawing/2010/main" xmlns:m="http://schemas.openxmlformats.org/officeDocument/2006/math" xmlns="" val="1"/>
+              <ma14:wrappingTextBoxFlag xmlns="" xmlns:m="http://schemas.openxmlformats.org/officeDocument/2006/math" xmlns:a14="http://schemas.microsoft.com/office/drawing/2010/main" xmlns:ma14="http://schemas.microsoft.com/office/mac/drawingml/2011/main" val="1"/>
             </a:ext>
           </a:extLst>
         </p:spPr>
@@ -21672,7 +21674,7 @@
           </a:prstGeom>
           <a:extLst>
             <a:ext uri="{C572A759-6A51-4108-AA02-DFA0A04FC94B}">
-              <ma14:wrappingTextBoxFlag xmlns:ma14="http://schemas.microsoft.com/office/mac/drawingml/2011/main" xmlns:a14="http://schemas.microsoft.com/office/drawing/2010/main" xmlns:m="http://schemas.openxmlformats.org/officeDocument/2006/math" xmlns="" val="1"/>
+              <ma14:wrappingTextBoxFlag xmlns="" xmlns:m="http://schemas.openxmlformats.org/officeDocument/2006/math" xmlns:a14="http://schemas.microsoft.com/office/drawing/2010/main" xmlns:ma14="http://schemas.microsoft.com/office/mac/drawingml/2011/main" val="1"/>
             </a:ext>
           </a:extLst>
         </p:spPr>
@@ -21697,7 +21699,7 @@
     <a:masterClrMapping/>
   </p:clrMapOvr>
   <p:transition spd="slow">
-    <p:fade/>
+    <p:push dir="u"/>
   </p:transition>
 </p:sld>
 </file>
@@ -21916,7 +21918,7 @@
           </a:prstGeom>
           <a:extLst>
             <a:ext uri="{C572A759-6A51-4108-AA02-DFA0A04FC94B}">
-              <ma14:wrappingTextBoxFlag xmlns:ma14="http://schemas.microsoft.com/office/mac/drawingml/2011/main" xmlns:a14="http://schemas.microsoft.com/office/drawing/2010/main" xmlns:m="http://schemas.openxmlformats.org/officeDocument/2006/math" xmlns="" val="1"/>
+              <ma14:wrappingTextBoxFlag xmlns="" xmlns:m="http://schemas.openxmlformats.org/officeDocument/2006/math" xmlns:a14="http://schemas.microsoft.com/office/drawing/2010/main" xmlns:ma14="http://schemas.microsoft.com/office/mac/drawingml/2011/main" val="1"/>
             </a:ext>
           </a:extLst>
         </p:spPr>
@@ -21937,7 +21939,7 @@
     <a:masterClrMapping/>
   </p:clrMapOvr>
   <p:transition spd="slow">
-    <p:fade/>
+    <p:push dir="u"/>
   </p:transition>
 </p:sld>
 </file>
@@ -22119,7 +22121,7 @@
           </a:prstGeom>
           <a:extLst>
             <a:ext uri="{C572A759-6A51-4108-AA02-DFA0A04FC94B}">
-              <ma14:wrappingTextBoxFlag xmlns:ma14="http://schemas.microsoft.com/office/mac/drawingml/2011/main" xmlns:a14="http://schemas.microsoft.com/office/drawing/2010/main" xmlns:m="http://schemas.openxmlformats.org/officeDocument/2006/math" xmlns="" val="1"/>
+              <ma14:wrappingTextBoxFlag xmlns="" xmlns:m="http://schemas.openxmlformats.org/officeDocument/2006/math" xmlns:a14="http://schemas.microsoft.com/office/drawing/2010/main" xmlns:ma14="http://schemas.microsoft.com/office/mac/drawingml/2011/main" val="1"/>
             </a:ext>
           </a:extLst>
         </p:spPr>
@@ -22140,7 +22142,7 @@
     <a:masterClrMapping/>
   </p:clrMapOvr>
   <p:transition spd="slow">
-    <p:fade/>
+    <p:push dir="u"/>
   </p:transition>
 </p:sld>
 </file>
@@ -22299,7 +22301,7 @@
           </a:prstGeom>
           <a:extLst>
             <a:ext uri="{C572A759-6A51-4108-AA02-DFA0A04FC94B}">
-              <ma14:wrappingTextBoxFlag xmlns:ma14="http://schemas.microsoft.com/office/mac/drawingml/2011/main" xmlns:a14="http://schemas.microsoft.com/office/drawing/2010/main" xmlns:m="http://schemas.openxmlformats.org/officeDocument/2006/math" xmlns="" val="1"/>
+              <ma14:wrappingTextBoxFlag xmlns="" xmlns:m="http://schemas.openxmlformats.org/officeDocument/2006/math" xmlns:a14="http://schemas.microsoft.com/office/drawing/2010/main" xmlns:ma14="http://schemas.microsoft.com/office/mac/drawingml/2011/main" val="1"/>
             </a:ext>
           </a:extLst>
         </p:spPr>
@@ -22320,7 +22322,7 @@
     <a:masterClrMapping/>
   </p:clrMapOvr>
   <p:transition spd="slow">
-    <p:fade/>
+    <p:push dir="u"/>
   </p:transition>
 </p:sld>
 </file>
@@ -22439,7 +22441,7 @@
           </a:prstGeom>
           <a:extLst>
             <a:ext uri="{C572A759-6A51-4108-AA02-DFA0A04FC94B}">
-              <ma14:wrappingTextBoxFlag xmlns:ma14="http://schemas.microsoft.com/office/mac/drawingml/2011/main" xmlns:a14="http://schemas.microsoft.com/office/drawing/2010/main" xmlns:m="http://schemas.openxmlformats.org/officeDocument/2006/math" xmlns="" val="1"/>
+              <ma14:wrappingTextBoxFlag xmlns="" xmlns:m="http://schemas.openxmlformats.org/officeDocument/2006/math" xmlns:a14="http://schemas.microsoft.com/office/drawing/2010/main" xmlns:ma14="http://schemas.microsoft.com/office/mac/drawingml/2011/main" val="1"/>
             </a:ext>
           </a:extLst>
         </p:spPr>
@@ -22460,7 +22462,7 @@
     <a:masterClrMapping/>
   </p:clrMapOvr>
   <p:transition spd="slow">
-    <p:fade/>
+    <p:push dir="u"/>
   </p:transition>
 </p:sld>
 </file>
@@ -22592,7 +22594,7 @@
           </a:prstGeom>
           <a:extLst>
             <a:ext uri="{C572A759-6A51-4108-AA02-DFA0A04FC94B}">
-              <ma14:wrappingTextBoxFlag xmlns:ma14="http://schemas.microsoft.com/office/mac/drawingml/2011/main" xmlns:a14="http://schemas.microsoft.com/office/drawing/2010/main" xmlns:m="http://schemas.openxmlformats.org/officeDocument/2006/math" xmlns="" val="1"/>
+              <ma14:wrappingTextBoxFlag xmlns="" xmlns:m="http://schemas.openxmlformats.org/officeDocument/2006/math" xmlns:a14="http://schemas.microsoft.com/office/drawing/2010/main" xmlns:ma14="http://schemas.microsoft.com/office/mac/drawingml/2011/main" val="1"/>
             </a:ext>
           </a:extLst>
         </p:spPr>
@@ -22613,7 +22615,7 @@
     <a:masterClrMapping/>
   </p:clrMapOvr>
   <p:transition spd="slow">
-    <p:fade/>
+    <p:push dir="u"/>
   </p:transition>
 </p:sld>
 </file>
@@ -22796,7 +22798,7 @@
           </a:prstGeom>
           <a:extLst>
             <a:ext uri="{C572A759-6A51-4108-AA02-DFA0A04FC94B}">
-              <ma14:wrappingTextBoxFlag xmlns:ma14="http://schemas.microsoft.com/office/mac/drawingml/2011/main" xmlns:a14="http://schemas.microsoft.com/office/drawing/2010/main" xmlns:m="http://schemas.openxmlformats.org/officeDocument/2006/math" xmlns="" val="1"/>
+              <ma14:wrappingTextBoxFlag xmlns="" xmlns:m="http://schemas.openxmlformats.org/officeDocument/2006/math" xmlns:a14="http://schemas.microsoft.com/office/drawing/2010/main" xmlns:ma14="http://schemas.microsoft.com/office/mac/drawingml/2011/main" val="1"/>
             </a:ext>
           </a:extLst>
         </p:spPr>
@@ -22817,7 +22819,7 @@
     <a:masterClrMapping/>
   </p:clrMapOvr>
   <p:transition spd="slow">
-    <p:fade/>
+    <p:push dir="u"/>
   </p:transition>
 </p:sld>
 </file>
@@ -22960,7 +22962,7 @@
           </a:prstGeom>
           <a:extLst>
             <a:ext uri="{C572A759-6A51-4108-AA02-DFA0A04FC94B}">
-              <ma14:wrappingTextBoxFlag xmlns:ma14="http://schemas.microsoft.com/office/mac/drawingml/2011/main" xmlns:a14="http://schemas.microsoft.com/office/drawing/2010/main" xmlns:m="http://schemas.openxmlformats.org/officeDocument/2006/math" xmlns="" val="1"/>
+              <ma14:wrappingTextBoxFlag xmlns="" xmlns:m="http://schemas.openxmlformats.org/officeDocument/2006/math" xmlns:a14="http://schemas.microsoft.com/office/drawing/2010/main" xmlns:ma14="http://schemas.microsoft.com/office/mac/drawingml/2011/main" val="1"/>
             </a:ext>
           </a:extLst>
         </p:spPr>
@@ -22981,7 +22983,7 @@
     <a:masterClrMapping/>
   </p:clrMapOvr>
   <p:transition spd="slow">
-    <p:fade/>
+    <p:push dir="u"/>
   </p:transition>
 </p:sld>
 </file>
@@ -23118,7 +23120,7 @@
           </a:ln>
           <a:extLst>
             <a:ext uri="{C572A759-6A51-4108-AA02-DFA0A04FC94B}">
-              <ma14:wrappingTextBoxFlag xmlns:ma14="http://schemas.microsoft.com/office/mac/drawingml/2011/main" xmlns:a14="http://schemas.microsoft.com/office/drawing/2010/main" xmlns:m="http://schemas.openxmlformats.org/officeDocument/2006/math" xmlns="" val="1"/>
+              <ma14:wrappingTextBoxFlag xmlns="" xmlns:m="http://schemas.openxmlformats.org/officeDocument/2006/math" xmlns:a14="http://schemas.microsoft.com/office/drawing/2010/main" xmlns:ma14="http://schemas.microsoft.com/office/mac/drawingml/2011/main" val="1"/>
             </a:ext>
           </a:extLst>
         </p:spPr>
@@ -23150,7 +23152,7 @@
           </a:prstGeom>
           <a:extLst>
             <a:ext uri="{C572A759-6A51-4108-AA02-DFA0A04FC94B}">
-              <ma14:wrappingTextBoxFlag xmlns:ma14="http://schemas.microsoft.com/office/mac/drawingml/2011/main" xmlns:a14="http://schemas.microsoft.com/office/drawing/2010/main" xmlns:m="http://schemas.openxmlformats.org/officeDocument/2006/math" xmlns="" val="1"/>
+              <ma14:wrappingTextBoxFlag xmlns="" xmlns:m="http://schemas.openxmlformats.org/officeDocument/2006/math" xmlns:a14="http://schemas.microsoft.com/office/drawing/2010/main" xmlns:ma14="http://schemas.microsoft.com/office/mac/drawingml/2011/main" val="1"/>
             </a:ext>
           </a:extLst>
         </p:spPr>
@@ -23171,7 +23173,7 @@
     <a:masterClrMapping/>
   </p:clrMapOvr>
   <p:transition spd="slow">
-    <p:fade/>
+    <p:push dir="u"/>
   </p:transition>
 </p:sld>
 </file>
@@ -23281,7 +23283,7 @@
           </a:prstGeom>
           <a:extLst>
             <a:ext uri="{C572A759-6A51-4108-AA02-DFA0A04FC94B}">
-              <ma14:wrappingTextBoxFlag xmlns:ma14="http://schemas.microsoft.com/office/mac/drawingml/2011/main" xmlns:a14="http://schemas.microsoft.com/office/drawing/2010/main" xmlns:m="http://schemas.openxmlformats.org/officeDocument/2006/math" xmlns="" val="1"/>
+              <ma14:wrappingTextBoxFlag xmlns="" xmlns:m="http://schemas.openxmlformats.org/officeDocument/2006/math" xmlns:a14="http://schemas.microsoft.com/office/drawing/2010/main" xmlns:ma14="http://schemas.microsoft.com/office/mac/drawingml/2011/main" val="1"/>
             </a:ext>
           </a:extLst>
         </p:spPr>
@@ -23302,7 +23304,7 @@
     <a:masterClrMapping/>
   </p:clrMapOvr>
   <p:transition spd="slow">
-    <p:fade/>
+    <p:push dir="u"/>
   </p:transition>
 </p:sld>
 </file>
@@ -23430,7 +23432,7 @@
           </a:prstGeom>
           <a:extLst>
             <a:ext uri="{C572A759-6A51-4108-AA02-DFA0A04FC94B}">
-              <ma14:wrappingTextBoxFlag xmlns:ma14="http://schemas.microsoft.com/office/mac/drawingml/2011/main" xmlns:a14="http://schemas.microsoft.com/office/drawing/2010/main" xmlns:m="http://schemas.openxmlformats.org/officeDocument/2006/math" xmlns="" val="1"/>
+              <ma14:wrappingTextBoxFlag xmlns="" xmlns:m="http://schemas.openxmlformats.org/officeDocument/2006/math" xmlns:a14="http://schemas.microsoft.com/office/drawing/2010/main" xmlns:ma14="http://schemas.microsoft.com/office/mac/drawingml/2011/main" val="1"/>
             </a:ext>
           </a:extLst>
         </p:spPr>
@@ -23451,7 +23453,7 @@
     <a:masterClrMapping/>
   </p:clrMapOvr>
   <p:transition spd="slow">
-    <p:fade/>
+    <p:push dir="u"/>
   </p:transition>
 </p:sld>
 </file>
@@ -23594,7 +23596,7 @@
           </a:prstGeom>
           <a:extLst>
             <a:ext uri="{C572A759-6A51-4108-AA02-DFA0A04FC94B}">
-              <ma14:wrappingTextBoxFlag xmlns:ma14="http://schemas.microsoft.com/office/mac/drawingml/2011/main" xmlns:a14="http://schemas.microsoft.com/office/drawing/2010/main" xmlns:m="http://schemas.openxmlformats.org/officeDocument/2006/math" xmlns="" val="1"/>
+              <ma14:wrappingTextBoxFlag xmlns="" xmlns:m="http://schemas.openxmlformats.org/officeDocument/2006/math" xmlns:a14="http://schemas.microsoft.com/office/drawing/2010/main" xmlns:ma14="http://schemas.microsoft.com/office/mac/drawingml/2011/main" val="1"/>
             </a:ext>
           </a:extLst>
         </p:spPr>
@@ -23620,7 +23622,7 @@
     <a:masterClrMapping/>
   </p:clrMapOvr>
   <p:transition spd="slow">
-    <p:fade/>
+    <p:push dir="u"/>
   </p:transition>
 </p:sld>
 </file>
@@ -23741,7 +23743,7 @@
           </a:prstGeom>
           <a:extLst>
             <a:ext uri="{C572A759-6A51-4108-AA02-DFA0A04FC94B}">
-              <ma14:wrappingTextBoxFlag xmlns:ma14="http://schemas.microsoft.com/office/mac/drawingml/2011/main" xmlns:a14="http://schemas.microsoft.com/office/drawing/2010/main" xmlns:m="http://schemas.openxmlformats.org/officeDocument/2006/math" xmlns="" val="1"/>
+              <ma14:wrappingTextBoxFlag xmlns="" xmlns:m="http://schemas.openxmlformats.org/officeDocument/2006/math" xmlns:a14="http://schemas.microsoft.com/office/drawing/2010/main" xmlns:ma14="http://schemas.microsoft.com/office/mac/drawingml/2011/main" val="1"/>
             </a:ext>
           </a:extLst>
         </p:spPr>
@@ -23762,7 +23764,7 @@
     <a:masterClrMapping/>
   </p:clrMapOvr>
   <p:transition spd="slow">
-    <p:fade/>
+    <p:push dir="u"/>
   </p:transition>
 </p:sld>
 </file>
@@ -23966,7 +23968,7 @@
           </a:prstGeom>
           <a:extLst>
             <a:ext uri="{C572A759-6A51-4108-AA02-DFA0A04FC94B}">
-              <ma14:wrappingTextBoxFlag xmlns:ma14="http://schemas.microsoft.com/office/mac/drawingml/2011/main" xmlns:a14="http://schemas.microsoft.com/office/drawing/2010/main" xmlns:m="http://schemas.openxmlformats.org/officeDocument/2006/math" xmlns="" val="1"/>
+              <ma14:wrappingTextBoxFlag xmlns="" xmlns:m="http://schemas.openxmlformats.org/officeDocument/2006/math" xmlns:a14="http://schemas.microsoft.com/office/drawing/2010/main" xmlns:ma14="http://schemas.microsoft.com/office/mac/drawingml/2011/main" val="1"/>
             </a:ext>
           </a:extLst>
         </p:spPr>
@@ -23987,7 +23989,7 @@
     <a:masterClrMapping/>
   </p:clrMapOvr>
   <p:transition spd="slow">
-    <p:fade/>
+    <p:push dir="u"/>
   </p:transition>
 </p:sld>
 </file>
@@ -24145,7 +24147,7 @@
           </a:prstGeom>
           <a:extLst>
             <a:ext uri="{C572A759-6A51-4108-AA02-DFA0A04FC94B}">
-              <ma14:wrappingTextBoxFlag xmlns:ma14="http://schemas.microsoft.com/office/mac/drawingml/2011/main" xmlns:a14="http://schemas.microsoft.com/office/drawing/2010/main" xmlns:m="http://schemas.openxmlformats.org/officeDocument/2006/math" xmlns="" val="1"/>
+              <ma14:wrappingTextBoxFlag xmlns="" xmlns:m="http://schemas.openxmlformats.org/officeDocument/2006/math" xmlns:a14="http://schemas.microsoft.com/office/drawing/2010/main" xmlns:ma14="http://schemas.microsoft.com/office/mac/drawingml/2011/main" val="1"/>
             </a:ext>
           </a:extLst>
         </p:spPr>
@@ -24166,7 +24168,7 @@
     <a:masterClrMapping/>
   </p:clrMapOvr>
   <p:transition spd="slow">
-    <p:fade/>
+    <p:push dir="u"/>
   </p:transition>
 </p:sld>
 </file>
@@ -24408,7 +24410,7 @@
           </a:prstGeom>
           <a:extLst>
             <a:ext uri="{C572A759-6A51-4108-AA02-DFA0A04FC94B}">
-              <ma14:wrappingTextBoxFlag xmlns:ma14="http://schemas.microsoft.com/office/mac/drawingml/2011/main" xmlns:a14="http://schemas.microsoft.com/office/drawing/2010/main" xmlns:m="http://schemas.openxmlformats.org/officeDocument/2006/math" xmlns="" val="1"/>
+              <ma14:wrappingTextBoxFlag xmlns="" xmlns:m="http://schemas.openxmlformats.org/officeDocument/2006/math" xmlns:a14="http://schemas.microsoft.com/office/drawing/2010/main" xmlns:ma14="http://schemas.microsoft.com/office/mac/drawingml/2011/main" val="1"/>
             </a:ext>
           </a:extLst>
         </p:spPr>
@@ -24429,7 +24431,7 @@
     <a:masterClrMapping/>
   </p:clrMapOvr>
   <p:transition spd="slow">
-    <p:fade/>
+    <p:push dir="u"/>
   </p:transition>
 </p:sld>
 </file>
@@ -24563,7 +24565,7 @@
           </a:prstGeom>
           <a:extLst>
             <a:ext uri="{C572A759-6A51-4108-AA02-DFA0A04FC94B}">
-              <ma14:wrappingTextBoxFlag xmlns:ma14="http://schemas.microsoft.com/office/mac/drawingml/2011/main" xmlns:a14="http://schemas.microsoft.com/office/drawing/2010/main" xmlns:m="http://schemas.openxmlformats.org/officeDocument/2006/math" xmlns="" val="1"/>
+              <ma14:wrappingTextBoxFlag xmlns="" xmlns:m="http://schemas.openxmlformats.org/officeDocument/2006/math" xmlns:a14="http://schemas.microsoft.com/office/drawing/2010/main" xmlns:ma14="http://schemas.microsoft.com/office/mac/drawingml/2011/main" val="1"/>
             </a:ext>
           </a:extLst>
         </p:spPr>
@@ -24584,7 +24586,7 @@
     <a:masterClrMapping/>
   </p:clrMapOvr>
   <p:transition spd="slow">
-    <p:fade/>
+    <p:push dir="u"/>
   </p:transition>
 </p:sld>
 </file>
@@ -24709,7 +24711,7 @@
           </a:prstGeom>
           <a:extLst>
             <a:ext uri="{C572A759-6A51-4108-AA02-DFA0A04FC94B}">
-              <ma14:wrappingTextBoxFlag xmlns:ma14="http://schemas.microsoft.com/office/mac/drawingml/2011/main" xmlns:a14="http://schemas.microsoft.com/office/drawing/2010/main" xmlns:m="http://schemas.openxmlformats.org/officeDocument/2006/math" xmlns="" val="1"/>
+              <ma14:wrappingTextBoxFlag xmlns="" xmlns:m="http://schemas.openxmlformats.org/officeDocument/2006/math" xmlns:a14="http://schemas.microsoft.com/office/drawing/2010/main" xmlns:ma14="http://schemas.microsoft.com/office/mac/drawingml/2011/main" val="1"/>
             </a:ext>
           </a:extLst>
         </p:spPr>
@@ -24730,7 +24732,7 @@
     <a:masterClrMapping/>
   </p:clrMapOvr>
   <p:transition spd="slow">
-    <p:fade/>
+    <p:push dir="u"/>
   </p:transition>
 </p:sld>
 </file>
@@ -24871,7 +24873,7 @@
           </a:prstGeom>
           <a:extLst>
             <a:ext uri="{C572A759-6A51-4108-AA02-DFA0A04FC94B}">
-              <ma14:wrappingTextBoxFlag xmlns:ma14="http://schemas.microsoft.com/office/mac/drawingml/2011/main" xmlns:a14="http://schemas.microsoft.com/office/drawing/2010/main" xmlns:m="http://schemas.openxmlformats.org/officeDocument/2006/math" xmlns="" val="1"/>
+              <ma14:wrappingTextBoxFlag xmlns="" xmlns:m="http://schemas.openxmlformats.org/officeDocument/2006/math" xmlns:a14="http://schemas.microsoft.com/office/drawing/2010/main" xmlns:ma14="http://schemas.microsoft.com/office/mac/drawingml/2011/main" val="1"/>
             </a:ext>
           </a:extLst>
         </p:spPr>
@@ -24892,7 +24894,7 @@
     <a:masterClrMapping/>
   </p:clrMapOvr>
   <p:transition spd="slow">
-    <p:fade/>
+    <p:push dir="u"/>
   </p:transition>
 </p:sld>
 </file>
@@ -25004,7 +25006,7 @@
           </a:prstGeom>
           <a:extLst>
             <a:ext uri="{C572A759-6A51-4108-AA02-DFA0A04FC94B}">
-              <ma14:wrappingTextBoxFlag xmlns:ma14="http://schemas.microsoft.com/office/mac/drawingml/2011/main" xmlns:a14="http://schemas.microsoft.com/office/drawing/2010/main" xmlns:m="http://schemas.openxmlformats.org/officeDocument/2006/math" xmlns="" val="1"/>
+              <ma14:wrappingTextBoxFlag xmlns="" xmlns:m="http://schemas.openxmlformats.org/officeDocument/2006/math" xmlns:a14="http://schemas.microsoft.com/office/drawing/2010/main" xmlns:ma14="http://schemas.microsoft.com/office/mac/drawingml/2011/main" val="1"/>
             </a:ext>
           </a:extLst>
         </p:spPr>
@@ -25025,7 +25027,7 @@
     <a:masterClrMapping/>
   </p:clrMapOvr>
   <p:transition spd="slow">
-    <p:fade/>
+    <p:push dir="u"/>
   </p:transition>
 </p:sld>
 </file>
@@ -25092,7 +25094,7 @@
           </a:prstGeom>
           <a:extLst>
             <a:ext uri="{C572A759-6A51-4108-AA02-DFA0A04FC94B}">
-              <ma14:wrappingTextBoxFlag xmlns:ma14="http://schemas.microsoft.com/office/mac/drawingml/2011/main" xmlns:a14="http://schemas.microsoft.com/office/drawing/2010/main" xmlns:m="http://schemas.openxmlformats.org/officeDocument/2006/math" xmlns="" val="1"/>
+              <ma14:wrappingTextBoxFlag xmlns="" xmlns:m="http://schemas.openxmlformats.org/officeDocument/2006/math" xmlns:a14="http://schemas.microsoft.com/office/drawing/2010/main" xmlns:ma14="http://schemas.microsoft.com/office/mac/drawingml/2011/main" val="1"/>
             </a:ext>
           </a:extLst>
         </p:spPr>
@@ -25113,7 +25115,7 @@
     <a:masterClrMapping/>
   </p:clrMapOvr>
   <p:transition spd="slow">
-    <p:fade/>
+    <p:push dir="u"/>
   </p:transition>
 </p:sld>
 </file>
@@ -25225,7 +25227,7 @@
           </a:prstGeom>
           <a:extLst>
             <a:ext uri="{C572A759-6A51-4108-AA02-DFA0A04FC94B}">
-              <ma14:wrappingTextBoxFlag xmlns:ma14="http://schemas.microsoft.com/office/mac/drawingml/2011/main" xmlns:a14="http://schemas.microsoft.com/office/drawing/2010/main" xmlns:m="http://schemas.openxmlformats.org/officeDocument/2006/math" xmlns="" val="1"/>
+              <ma14:wrappingTextBoxFlag xmlns="" xmlns:m="http://schemas.openxmlformats.org/officeDocument/2006/math" xmlns:a14="http://schemas.microsoft.com/office/drawing/2010/main" xmlns:ma14="http://schemas.microsoft.com/office/mac/drawingml/2011/main" val="1"/>
             </a:ext>
           </a:extLst>
         </p:spPr>
@@ -25246,7 +25248,7 @@
     <a:masterClrMapping/>
   </p:clrMapOvr>
   <p:transition spd="slow">
-    <p:fade/>
+    <p:push dir="u"/>
   </p:transition>
 </p:sld>
 </file>
@@ -25443,7 +25445,7 @@
           </a:prstGeom>
           <a:extLst>
             <a:ext uri="{C572A759-6A51-4108-AA02-DFA0A04FC94B}">
-              <ma14:wrappingTextBoxFlag xmlns:ma14="http://schemas.microsoft.com/office/mac/drawingml/2011/main" xmlns:a14="http://schemas.microsoft.com/office/drawing/2010/main" xmlns:m="http://schemas.openxmlformats.org/officeDocument/2006/math" xmlns="" val="1"/>
+              <ma14:wrappingTextBoxFlag xmlns="" xmlns:m="http://schemas.openxmlformats.org/officeDocument/2006/math" xmlns:a14="http://schemas.microsoft.com/office/drawing/2010/main" xmlns:ma14="http://schemas.microsoft.com/office/mac/drawingml/2011/main" val="1"/>
             </a:ext>
           </a:extLst>
         </p:spPr>
@@ -25464,7 +25466,7 @@
     <a:masterClrMapping/>
   </p:clrMapOvr>
   <p:transition spd="slow">
-    <p:fade/>
+    <p:push dir="u"/>
   </p:transition>
 </p:sld>
 </file>
@@ -25663,7 +25665,7 @@
           </a:prstGeom>
           <a:extLst>
             <a:ext uri="{C572A759-6A51-4108-AA02-DFA0A04FC94B}">
-              <ma14:wrappingTextBoxFlag xmlns:ma14="http://schemas.microsoft.com/office/mac/drawingml/2011/main" xmlns:a14="http://schemas.microsoft.com/office/drawing/2010/main" xmlns:m="http://schemas.openxmlformats.org/officeDocument/2006/math" xmlns="" val="1"/>
+              <ma14:wrappingTextBoxFlag xmlns="" xmlns:m="http://schemas.openxmlformats.org/officeDocument/2006/math" xmlns:a14="http://schemas.microsoft.com/office/drawing/2010/main" xmlns:ma14="http://schemas.microsoft.com/office/mac/drawingml/2011/main" val="1"/>
             </a:ext>
           </a:extLst>
         </p:spPr>
@@ -25684,7 +25686,7 @@
     <a:masterClrMapping/>
   </p:clrMapOvr>
   <p:transition spd="slow">
-    <p:fade/>
+    <p:push dir="u"/>
   </p:transition>
 </p:sld>
 </file>
@@ -25796,7 +25798,7 @@
           </a:prstGeom>
           <a:extLst>
             <a:ext uri="{C572A759-6A51-4108-AA02-DFA0A04FC94B}">
-              <ma14:wrappingTextBoxFlag xmlns:ma14="http://schemas.microsoft.com/office/mac/drawingml/2011/main" xmlns:a14="http://schemas.microsoft.com/office/drawing/2010/main" xmlns:m="http://schemas.openxmlformats.org/officeDocument/2006/math" xmlns="" val="1"/>
+              <ma14:wrappingTextBoxFlag xmlns="" xmlns:m="http://schemas.openxmlformats.org/officeDocument/2006/math" xmlns:a14="http://schemas.microsoft.com/office/drawing/2010/main" xmlns:ma14="http://schemas.microsoft.com/office/mac/drawingml/2011/main" val="1"/>
             </a:ext>
           </a:extLst>
         </p:spPr>
@@ -25817,7 +25819,7 @@
     <a:masterClrMapping/>
   </p:clrMapOvr>
   <p:transition spd="slow">
-    <p:fade/>
+    <p:push dir="u"/>
   </p:transition>
 </p:sld>
 </file>
@@ -25895,35 +25897,58 @@
               <a:defRPr b="1"/>
             </a:pPr>
             <a:r>
+              <a:rPr dirty="0" err="1"/>
               <a:t>定义视觉设计框架</a:t>
             </a:r>
-          </a:p>
-          <a:p>
-            <a:r>
+            <a:endParaRPr dirty="0"/>
+          </a:p>
+          <a:p>
+            <a:r>
+              <a:rPr dirty="0"/>
               <a:t>（1）开发视觉语言研究</a:t>
             </a:r>
           </a:p>
           <a:p>
             <a:r>
-              <a:t>        研究包括颜色、类型、小部件处理，以及整体的外形尺寸和界面的“材料属性”（比如界面像纸还是像玻璃）。</a:t>
-            </a:r>
-          </a:p>
-          <a:p>
-            <a:r>
+              <a:rPr dirty="0"/>
+              <a:t>        研究包括颜色、类型、小部件处理，以及整体的外形尺寸和界面的“</a:t>
+            </a:r>
+            <a:r>
+              <a:rPr dirty="0" err="1"/>
+              <a:t>材料属性</a:t>
+            </a:r>
+            <a:r>
+              <a:rPr dirty="0"/>
+              <a:t>”（</a:t>
+            </a:r>
+            <a:r>
+              <a:rPr dirty="0" err="1"/>
+              <a:t>比如界面像纸还是像玻璃</a:t>
+            </a:r>
+            <a:r>
+              <a:rPr dirty="0"/>
+              <a:t>）。</a:t>
+            </a:r>
+          </a:p>
+          <a:p>
+            <a:r>
+              <a:rPr dirty="0"/>
               <a:t>        考虑环境因素和人物角色的能力也同样重要。比如在强光下或者远距离也要能够看清楚屏幕，需要高对比度和更为饱和的色彩，上年纪的人和视力不好的人需要较大且易读的显示。</a:t>
             </a:r>
           </a:p>
           <a:p>
-            <a:endParaRPr/>
-          </a:p>
-          <a:p>
-            <a:r>
+            <a:endParaRPr dirty="0"/>
+          </a:p>
+          <a:p>
+            <a:r>
+              <a:rPr dirty="0" err="1"/>
               <a:t>此阶段的目标是评估</a:t>
             </a:r>
             <a:r>
-              <a:rPr b="1"/>
+              <a:rPr b="1" dirty="0" err="1"/>
               <a:t>整体格调</a:t>
             </a:r>
+            <a:endParaRPr b="1" dirty="0"/>
           </a:p>
         </p:txBody>
       </p:sp>
@@ -25943,7 +25968,7 @@
           </a:prstGeom>
           <a:extLst>
             <a:ext uri="{C572A759-6A51-4108-AA02-DFA0A04FC94B}">
-              <ma14:wrappingTextBoxFlag xmlns:ma14="http://schemas.microsoft.com/office/mac/drawingml/2011/main" xmlns:a14="http://schemas.microsoft.com/office/drawing/2010/main" xmlns:m="http://schemas.openxmlformats.org/officeDocument/2006/math" xmlns="" val="1"/>
+              <ma14:wrappingTextBoxFlag xmlns="" xmlns:m="http://schemas.openxmlformats.org/officeDocument/2006/math" xmlns:a14="http://schemas.microsoft.com/office/drawing/2010/main" xmlns:ma14="http://schemas.microsoft.com/office/mac/drawingml/2011/main" val="1"/>
             </a:ext>
           </a:extLst>
         </p:spPr>
@@ -25964,7 +25989,7 @@
     <a:masterClrMapping/>
   </p:clrMapOvr>
   <p:transition spd="slow">
-    <p:fade/>
+    <p:push dir="u"/>
   </p:transition>
 </p:sld>
 </file>
@@ -26063,7 +26088,7 @@
           </a:ln>
           <a:extLst>
             <a:ext uri="{C572A759-6A51-4108-AA02-DFA0A04FC94B}">
-              <ma14:wrappingTextBoxFlag xmlns:ma14="http://schemas.microsoft.com/office/mac/drawingml/2011/main" xmlns:a14="http://schemas.microsoft.com/office/drawing/2010/main" xmlns:m="http://schemas.openxmlformats.org/officeDocument/2006/math" xmlns="" val="1"/>
+              <ma14:wrappingTextBoxFlag xmlns="" xmlns:m="http://schemas.openxmlformats.org/officeDocument/2006/math" xmlns:a14="http://schemas.microsoft.com/office/drawing/2010/main" xmlns:ma14="http://schemas.microsoft.com/office/mac/drawingml/2011/main" val="1"/>
             </a:ext>
           </a:extLst>
         </p:spPr>
@@ -26098,7 +26123,7 @@
           </a:ln>
           <a:extLst>
             <a:ext uri="{C572A759-6A51-4108-AA02-DFA0A04FC94B}">
-              <ma14:wrappingTextBoxFlag xmlns:ma14="http://schemas.microsoft.com/office/mac/drawingml/2011/main" xmlns:a14="http://schemas.microsoft.com/office/drawing/2010/main" xmlns:m="http://schemas.openxmlformats.org/officeDocument/2006/math" xmlns="" val="1"/>
+              <ma14:wrappingTextBoxFlag xmlns="" xmlns:m="http://schemas.openxmlformats.org/officeDocument/2006/math" xmlns:a14="http://schemas.microsoft.com/office/drawing/2010/main" xmlns:ma14="http://schemas.microsoft.com/office/mac/drawingml/2011/main" val="1"/>
             </a:ext>
           </a:extLst>
         </p:spPr>
@@ -26146,7 +26171,7 @@
           </a:prstGeom>
           <a:extLst>
             <a:ext uri="{C572A759-6A51-4108-AA02-DFA0A04FC94B}">
-              <ma14:wrappingTextBoxFlag xmlns:ma14="http://schemas.microsoft.com/office/mac/drawingml/2011/main" xmlns:a14="http://schemas.microsoft.com/office/drawing/2010/main" xmlns:m="http://schemas.openxmlformats.org/officeDocument/2006/math" xmlns="" val="1"/>
+              <ma14:wrappingTextBoxFlag xmlns="" xmlns:m="http://schemas.openxmlformats.org/officeDocument/2006/math" xmlns:a14="http://schemas.microsoft.com/office/drawing/2010/main" xmlns:ma14="http://schemas.microsoft.com/office/mac/drawingml/2011/main" val="1"/>
             </a:ext>
           </a:extLst>
         </p:spPr>
@@ -26167,7 +26192,7 @@
     <a:masterClrMapping/>
   </p:clrMapOvr>
   <p:transition spd="slow">
-    <p:fade/>
+    <p:push dir="u"/>
   </p:transition>
 </p:sld>
 </file>
@@ -26304,7 +26329,7 @@
           </a:prstGeom>
           <a:extLst>
             <a:ext uri="{C572A759-6A51-4108-AA02-DFA0A04FC94B}">
-              <ma14:wrappingTextBoxFlag xmlns:ma14="http://schemas.microsoft.com/office/mac/drawingml/2011/main" xmlns:a14="http://schemas.microsoft.com/office/drawing/2010/main" xmlns:m="http://schemas.openxmlformats.org/officeDocument/2006/math" xmlns="" val="1"/>
+              <ma14:wrappingTextBoxFlag xmlns="" xmlns:m="http://schemas.openxmlformats.org/officeDocument/2006/math" xmlns:a14="http://schemas.microsoft.com/office/drawing/2010/main" xmlns:ma14="http://schemas.microsoft.com/office/mac/drawingml/2011/main" val="1"/>
             </a:ext>
           </a:extLst>
         </p:spPr>
@@ -26325,7 +26350,7 @@
     <a:masterClrMapping/>
   </p:clrMapOvr>
   <p:transition spd="slow">
-    <p:fade/>
+    <p:push dir="u"/>
   </p:transition>
 </p:sld>
 </file>
@@ -26441,7 +26466,7 @@
           </a:prstGeom>
           <a:extLst>
             <a:ext uri="{C572A759-6A51-4108-AA02-DFA0A04FC94B}">
-              <ma14:wrappingTextBoxFlag xmlns:ma14="http://schemas.microsoft.com/office/mac/drawingml/2011/main" xmlns:a14="http://schemas.microsoft.com/office/drawing/2010/main" xmlns:m="http://schemas.openxmlformats.org/officeDocument/2006/math" xmlns="" val="1"/>
+              <ma14:wrappingTextBoxFlag xmlns="" xmlns:m="http://schemas.openxmlformats.org/officeDocument/2006/math" xmlns:a14="http://schemas.microsoft.com/office/drawing/2010/main" xmlns:ma14="http://schemas.microsoft.com/office/mac/drawingml/2011/main" val="1"/>
             </a:ext>
           </a:extLst>
         </p:spPr>
@@ -26462,7 +26487,7 @@
     <a:masterClrMapping/>
   </p:clrMapOvr>
   <p:transition spd="slow">
-    <p:fade/>
+    <p:push dir="u"/>
   </p:transition>
 </p:sld>
 </file>
@@ -26569,7 +26594,7 @@
           </a:prstGeom>
           <a:extLst>
             <a:ext uri="{C572A759-6A51-4108-AA02-DFA0A04FC94B}">
-              <ma14:wrappingTextBoxFlag xmlns:ma14="http://schemas.microsoft.com/office/mac/drawingml/2011/main" xmlns:a14="http://schemas.microsoft.com/office/drawing/2010/main" xmlns:m="http://schemas.openxmlformats.org/officeDocument/2006/math" xmlns="" val="1"/>
+              <ma14:wrappingTextBoxFlag xmlns="" xmlns:m="http://schemas.openxmlformats.org/officeDocument/2006/math" xmlns:a14="http://schemas.microsoft.com/office/drawing/2010/main" xmlns:ma14="http://schemas.microsoft.com/office/mac/drawingml/2011/main" val="1"/>
             </a:ext>
           </a:extLst>
         </p:spPr>
@@ -26590,7 +26615,7 @@
     <a:masterClrMapping/>
   </p:clrMapOvr>
   <p:transition spd="slow">
-    <p:fade/>
+    <p:push dir="u"/>
   </p:transition>
 </p:sld>
 </file>
@@ -26754,7 +26779,7 @@
           </a:prstGeom>
           <a:extLst>
             <a:ext uri="{C572A759-6A51-4108-AA02-DFA0A04FC94B}">
-              <ma14:wrappingTextBoxFlag xmlns:ma14="http://schemas.microsoft.com/office/mac/drawingml/2011/main" xmlns:a14="http://schemas.microsoft.com/office/drawing/2010/main" xmlns:m="http://schemas.openxmlformats.org/officeDocument/2006/math" xmlns="" val="1"/>
+              <ma14:wrappingTextBoxFlag xmlns="" xmlns:m="http://schemas.openxmlformats.org/officeDocument/2006/math" xmlns:a14="http://schemas.microsoft.com/office/drawing/2010/main" xmlns:ma14="http://schemas.microsoft.com/office/mac/drawingml/2011/main" val="1"/>
             </a:ext>
           </a:extLst>
         </p:spPr>
@@ -26780,7 +26805,7 @@
     <a:masterClrMapping/>
   </p:clrMapOvr>
   <p:transition spd="slow">
-    <p:fade/>
+    <p:push dir="u"/>
   </p:transition>
 </p:sld>
 </file>
@@ -26857,7 +26882,7 @@
           </a:prstGeom>
           <a:extLst>
             <a:ext uri="{C572A759-6A51-4108-AA02-DFA0A04FC94B}">
-              <ma14:wrappingTextBoxFlag xmlns:ma14="http://schemas.microsoft.com/office/mac/drawingml/2011/main" xmlns:a14="http://schemas.microsoft.com/office/drawing/2010/main" xmlns:m="http://schemas.openxmlformats.org/officeDocument/2006/math" xmlns="" val="1"/>
+              <ma14:wrappingTextBoxFlag xmlns="" xmlns:m="http://schemas.openxmlformats.org/officeDocument/2006/math" xmlns:a14="http://schemas.microsoft.com/office/drawing/2010/main" xmlns:ma14="http://schemas.microsoft.com/office/mac/drawingml/2011/main" val="1"/>
             </a:ext>
           </a:extLst>
         </p:spPr>
@@ -27252,7 +27277,7 @@
     <a:masterClrMapping/>
   </p:clrMapOvr>
   <p:transition spd="slow">
-    <p:fade/>
+    <p:push dir="u"/>
   </p:transition>
 </p:sld>
 </file>
@@ -27444,7 +27469,9 @@
   <p:clrMapOvr>
     <a:masterClrMapping/>
   </p:clrMapOvr>
-  <p:transition spd="med"/>
+  <p:transition spd="slow">
+    <p:push dir="u"/>
+  </p:transition>
 </p:sld>
 </file>
 
@@ -27543,7 +27570,7 @@
           </a:prstGeom>
           <a:extLst>
             <a:ext uri="{C572A759-6A51-4108-AA02-DFA0A04FC94B}">
-              <ma14:wrappingTextBoxFlag xmlns:ma14="http://schemas.microsoft.com/office/mac/drawingml/2011/main" xmlns:a14="http://schemas.microsoft.com/office/drawing/2010/main" xmlns:m="http://schemas.openxmlformats.org/officeDocument/2006/math" xmlns="" val="1"/>
+              <ma14:wrappingTextBoxFlag xmlns="" xmlns:m="http://schemas.openxmlformats.org/officeDocument/2006/math" xmlns:a14="http://schemas.microsoft.com/office/drawing/2010/main" xmlns:ma14="http://schemas.microsoft.com/office/mac/drawingml/2011/main" val="1"/>
             </a:ext>
           </a:extLst>
         </p:spPr>
@@ -27564,7 +27591,7 @@
     <a:masterClrMapping/>
   </p:clrMapOvr>
   <p:transition spd="slow">
-    <p:fade/>
+    <p:push dir="u"/>
   </p:transition>
 </p:sld>
 </file>
@@ -27771,7 +27798,9 @@
   <p:clrMapOvr>
     <a:masterClrMapping/>
   </p:clrMapOvr>
-  <p:transition spd="med"/>
+  <p:transition spd="slow">
+    <p:push dir="u"/>
+  </p:transition>
 </p:sld>
 </file>
 
@@ -27978,7 +28007,7 @@
           </a:prstGeom>
           <a:extLst>
             <a:ext uri="{C572A759-6A51-4108-AA02-DFA0A04FC94B}">
-              <ma14:wrappingTextBoxFlag xmlns:ma14="http://schemas.microsoft.com/office/mac/drawingml/2011/main" xmlns:a14="http://schemas.microsoft.com/office/drawing/2010/main" xmlns:m="http://schemas.openxmlformats.org/officeDocument/2006/math" xmlns="" val="1"/>
+              <ma14:wrappingTextBoxFlag xmlns="" xmlns:m="http://schemas.openxmlformats.org/officeDocument/2006/math" xmlns:a14="http://schemas.microsoft.com/office/drawing/2010/main" xmlns:ma14="http://schemas.microsoft.com/office/mac/drawingml/2011/main" val="1"/>
             </a:ext>
           </a:extLst>
         </p:spPr>
@@ -27999,7 +28028,7 @@
     <a:masterClrMapping/>
   </p:clrMapOvr>
   <p:transition spd="slow">
-    <p:fade/>
+    <p:push dir="u"/>
   </p:transition>
   <p:timing>
     <p:tnLst>
@@ -28782,7 +28811,7 @@
           </a:prstGeom>
           <a:extLst>
             <a:ext uri="{C572A759-6A51-4108-AA02-DFA0A04FC94B}">
-              <ma14:wrappingTextBoxFlag xmlns:ma14="http://schemas.microsoft.com/office/mac/drawingml/2011/main" xmlns:a14="http://schemas.microsoft.com/office/drawing/2010/main" xmlns:m="http://schemas.openxmlformats.org/officeDocument/2006/math" xmlns="" val="1"/>
+              <ma14:wrappingTextBoxFlag xmlns="" xmlns:m="http://schemas.openxmlformats.org/officeDocument/2006/math" xmlns:a14="http://schemas.microsoft.com/office/drawing/2010/main" xmlns:ma14="http://schemas.microsoft.com/office/mac/drawingml/2011/main" val="1"/>
             </a:ext>
           </a:extLst>
         </p:spPr>
@@ -28803,7 +28832,7 @@
     <a:masterClrMapping/>
   </p:clrMapOvr>
   <p:transition spd="slow">
-    <p:fade/>
+    <p:push dir="u"/>
   </p:transition>
   <p:timing>
     <p:tnLst>
@@ -29085,8 +29114,10 @@
           <a:lstStyle/>
           <a:p>
             <a:r>
+              <a:rPr dirty="0" err="1"/>
               <a:t>提问</a:t>
             </a:r>
+            <a:endParaRPr dirty="0"/>
           </a:p>
         </p:txBody>
       </p:sp>
@@ -29210,7 +29241,7 @@
           </a:prstGeom>
           <a:extLst>
             <a:ext uri="{C572A759-6A51-4108-AA02-DFA0A04FC94B}">
-              <ma14:wrappingTextBoxFlag xmlns:ma14="http://schemas.microsoft.com/office/mac/drawingml/2011/main" xmlns:a14="http://schemas.microsoft.com/office/drawing/2010/main" xmlns:m="http://schemas.openxmlformats.org/officeDocument/2006/math" xmlns="" val="1"/>
+              <ma14:wrappingTextBoxFlag xmlns="" xmlns:m="http://schemas.openxmlformats.org/officeDocument/2006/math" xmlns:a14="http://schemas.microsoft.com/office/drawing/2010/main" xmlns:ma14="http://schemas.microsoft.com/office/mac/drawingml/2011/main" val="1"/>
             </a:ext>
           </a:extLst>
         </p:spPr>
@@ -29231,7 +29262,7 @@
     <a:masterClrMapping/>
   </p:clrMapOvr>
   <p:transition spd="slow">
-    <p:fade/>
+    <p:push dir="u"/>
   </p:transition>
   <p:timing>
     <p:tnLst>
@@ -29576,6 +29607,986 @@
       </p:grpSpPr>
       <p:sp>
         <p:nvSpPr>
+          <p:cNvPr id="2" name="Title 1">
+            <a:extLst>
+              <a:ext uri="{FF2B5EF4-FFF2-40B4-BE49-F238E27FC236}">
+                <a16:creationId xmlns:a16="http://schemas.microsoft.com/office/drawing/2014/main" id="{8DFAFBF0-8EA3-204D-A925-2ABC724DC149}"/>
+              </a:ext>
+            </a:extLst>
+          </p:cNvPr>
+          <p:cNvSpPr>
+            <a:spLocks noGrp="1"/>
+          </p:cNvSpPr>
+          <p:nvPr>
+            <p:ph type="title"/>
+          </p:nvPr>
+        </p:nvSpPr>
+        <p:spPr/>
+        <p:txBody>
+          <a:bodyPr/>
+          <a:lstStyle/>
+          <a:p>
+            <a:r>
+              <a:rPr lang="zh-CN" altLang="en-US" dirty="0"/>
+              <a:t>提问</a:t>
+            </a:r>
+            <a:endParaRPr lang="en-US" dirty="0"/>
+          </a:p>
+        </p:txBody>
+      </p:sp>
+      <p:sp>
+        <p:nvSpPr>
+          <p:cNvPr id="3" name="Text Placeholder 2">
+            <a:extLst>
+              <a:ext uri="{FF2B5EF4-FFF2-40B4-BE49-F238E27FC236}">
+                <a16:creationId xmlns:a16="http://schemas.microsoft.com/office/drawing/2014/main" id="{7CA80420-7924-4849-9D0D-E5FFD1C00201}"/>
+              </a:ext>
+            </a:extLst>
+          </p:cNvPr>
+          <p:cNvSpPr>
+            <a:spLocks noGrp="1"/>
+          </p:cNvSpPr>
+          <p:nvPr>
+            <p:ph type="body" idx="1"/>
+          </p:nvPr>
+        </p:nvSpPr>
+        <p:spPr/>
+        <p:txBody>
+          <a:bodyPr/>
+          <a:lstStyle/>
+          <a:p>
+            <a:r>
+              <a:rPr lang="zh-CN" altLang="en-US" dirty="0"/>
+              <a:t>框架定义阶段需要定义哪两个框架？</a:t>
+            </a:r>
+            <a:endParaRPr lang="en-US" altLang="zh-CN" dirty="0"/>
+          </a:p>
+          <a:p>
+            <a:endParaRPr lang="en-US" dirty="0"/>
+          </a:p>
+          <a:p>
+            <a:r>
+              <a:rPr lang="zh-CN" altLang="en-US" dirty="0"/>
+              <a:t>交互框架、视觉框架</a:t>
+            </a:r>
+            <a:endParaRPr lang="en-US" dirty="0"/>
+          </a:p>
+        </p:txBody>
+      </p:sp>
+    </p:spTree>
+    <p:extLst>
+      <p:ext uri="{BB962C8B-B14F-4D97-AF65-F5344CB8AC3E}">
+        <p14:creationId xmlns:p14="http://schemas.microsoft.com/office/powerpoint/2010/main" val="1443152918"/>
+      </p:ext>
+    </p:extLst>
+  </p:cSld>
+  <p:clrMapOvr>
+    <a:masterClrMapping/>
+  </p:clrMapOvr>
+  <p:transition spd="slow">
+    <p:push dir="u"/>
+  </p:transition>
+  <p:timing>
+    <p:tnLst>
+      <p:par>
+        <p:cTn id="1" dur="indefinite" restart="never" nodeType="tmRoot">
+          <p:childTnLst>
+            <p:seq concurrent="1" nextAc="seek">
+              <p:cTn id="2" dur="indefinite" nodeType="mainSeq">
+                <p:childTnLst>
+                  <p:par>
+                    <p:cTn id="3" fill="hold">
+                      <p:stCondLst>
+                        <p:cond delay="indefinite"/>
+                      </p:stCondLst>
+                      <p:childTnLst>
+                        <p:par>
+                          <p:cTn id="4" fill="hold">
+                            <p:stCondLst>
+                              <p:cond delay="0"/>
+                            </p:stCondLst>
+                            <p:childTnLst>
+                              <p:par>
+                                <p:cTn id="5" presetID="37" presetClass="entr" presetSubtype="0" fill="hold" nodeType="clickEffect">
+                                  <p:stCondLst>
+                                    <p:cond delay="0"/>
+                                  </p:stCondLst>
+                                  <p:childTnLst>
+                                    <p:set>
+                                      <p:cBhvr>
+                                        <p:cTn id="6" dur="1" fill="hold">
+                                          <p:stCondLst>
+                                            <p:cond delay="0"/>
+                                          </p:stCondLst>
+                                        </p:cTn>
+                                        <p:tgtEl>
+                                          <p:spTgt spid="3">
+                                            <p:txEl>
+                                              <p:pRg st="0" end="0"/>
+                                            </p:txEl>
+                                          </p:spTgt>
+                                        </p:tgtEl>
+                                        <p:attrNameLst>
+                                          <p:attrName>style.visibility</p:attrName>
+                                        </p:attrNameLst>
+                                      </p:cBhvr>
+                                      <p:to>
+                                        <p:strVal val="visible"/>
+                                      </p:to>
+                                    </p:set>
+                                    <p:animEffect transition="in" filter="fade">
+                                      <p:cBhvr>
+                                        <p:cTn id="7" dur="1000"/>
+                                        <p:tgtEl>
+                                          <p:spTgt spid="3">
+                                            <p:txEl>
+                                              <p:pRg st="0" end="0"/>
+                                            </p:txEl>
+                                          </p:spTgt>
+                                        </p:tgtEl>
+                                      </p:cBhvr>
+                                    </p:animEffect>
+                                    <p:anim calcmode="lin" valueType="num">
+                                      <p:cBhvr>
+                                        <p:cTn id="8" dur="1000" fill="hold"/>
+                                        <p:tgtEl>
+                                          <p:spTgt spid="3">
+                                            <p:txEl>
+                                              <p:pRg st="0" end="0"/>
+                                            </p:txEl>
+                                          </p:spTgt>
+                                        </p:tgtEl>
+                                        <p:attrNameLst>
+                                          <p:attrName>ppt_x</p:attrName>
+                                        </p:attrNameLst>
+                                      </p:cBhvr>
+                                      <p:tavLst>
+                                        <p:tav tm="0">
+                                          <p:val>
+                                            <p:strVal val="#ppt_x"/>
+                                          </p:val>
+                                        </p:tav>
+                                        <p:tav tm="100000">
+                                          <p:val>
+                                            <p:strVal val="#ppt_x"/>
+                                          </p:val>
+                                        </p:tav>
+                                      </p:tavLst>
+                                    </p:anim>
+                                    <p:anim calcmode="lin" valueType="num">
+                                      <p:cBhvr>
+                                        <p:cTn id="9" dur="900" decel="100000" fill="hold"/>
+                                        <p:tgtEl>
+                                          <p:spTgt spid="3">
+                                            <p:txEl>
+                                              <p:pRg st="0" end="0"/>
+                                            </p:txEl>
+                                          </p:spTgt>
+                                        </p:tgtEl>
+                                        <p:attrNameLst>
+                                          <p:attrName>ppt_y</p:attrName>
+                                        </p:attrNameLst>
+                                      </p:cBhvr>
+                                      <p:tavLst>
+                                        <p:tav tm="0">
+                                          <p:val>
+                                            <p:strVal val="#ppt_y+1"/>
+                                          </p:val>
+                                        </p:tav>
+                                        <p:tav tm="100000">
+                                          <p:val>
+                                            <p:strVal val="#ppt_y-.03"/>
+                                          </p:val>
+                                        </p:tav>
+                                      </p:tavLst>
+                                    </p:anim>
+                                    <p:anim calcmode="lin" valueType="num">
+                                      <p:cBhvr>
+                                        <p:cTn id="10" dur="100" accel="100000" fill="hold">
+                                          <p:stCondLst>
+                                            <p:cond delay="900"/>
+                                          </p:stCondLst>
+                                        </p:cTn>
+                                        <p:tgtEl>
+                                          <p:spTgt spid="3">
+                                            <p:txEl>
+                                              <p:pRg st="0" end="0"/>
+                                            </p:txEl>
+                                          </p:spTgt>
+                                        </p:tgtEl>
+                                        <p:attrNameLst>
+                                          <p:attrName>ppt_y</p:attrName>
+                                        </p:attrNameLst>
+                                      </p:cBhvr>
+                                      <p:tavLst>
+                                        <p:tav tm="0">
+                                          <p:val>
+                                            <p:strVal val="#ppt_y-.03"/>
+                                          </p:val>
+                                        </p:tav>
+                                        <p:tav tm="100000">
+                                          <p:val>
+                                            <p:strVal val="#ppt_y"/>
+                                          </p:val>
+                                        </p:tav>
+                                      </p:tavLst>
+                                    </p:anim>
+                                  </p:childTnLst>
+                                </p:cTn>
+                              </p:par>
+                            </p:childTnLst>
+                          </p:cTn>
+                        </p:par>
+                      </p:childTnLst>
+                    </p:cTn>
+                  </p:par>
+                  <p:par>
+                    <p:cTn id="11" fill="hold">
+                      <p:stCondLst>
+                        <p:cond delay="indefinite"/>
+                      </p:stCondLst>
+                      <p:childTnLst>
+                        <p:par>
+                          <p:cTn id="12" fill="hold">
+                            <p:stCondLst>
+                              <p:cond delay="0"/>
+                            </p:stCondLst>
+                            <p:childTnLst>
+                              <p:par>
+                                <p:cTn id="13" presetID="37" presetClass="entr" presetSubtype="0" fill="hold" nodeType="clickEffect">
+                                  <p:stCondLst>
+                                    <p:cond delay="0"/>
+                                  </p:stCondLst>
+                                  <p:childTnLst>
+                                    <p:set>
+                                      <p:cBhvr>
+                                        <p:cTn id="14" dur="1" fill="hold">
+                                          <p:stCondLst>
+                                            <p:cond delay="0"/>
+                                          </p:stCondLst>
+                                        </p:cTn>
+                                        <p:tgtEl>
+                                          <p:spTgt spid="3">
+                                            <p:txEl>
+                                              <p:pRg st="2" end="2"/>
+                                            </p:txEl>
+                                          </p:spTgt>
+                                        </p:tgtEl>
+                                        <p:attrNameLst>
+                                          <p:attrName>style.visibility</p:attrName>
+                                        </p:attrNameLst>
+                                      </p:cBhvr>
+                                      <p:to>
+                                        <p:strVal val="visible"/>
+                                      </p:to>
+                                    </p:set>
+                                    <p:animEffect transition="in" filter="fade">
+                                      <p:cBhvr>
+                                        <p:cTn id="15" dur="1000"/>
+                                        <p:tgtEl>
+                                          <p:spTgt spid="3">
+                                            <p:txEl>
+                                              <p:pRg st="2" end="2"/>
+                                            </p:txEl>
+                                          </p:spTgt>
+                                        </p:tgtEl>
+                                      </p:cBhvr>
+                                    </p:animEffect>
+                                    <p:anim calcmode="lin" valueType="num">
+                                      <p:cBhvr>
+                                        <p:cTn id="16" dur="1000" fill="hold"/>
+                                        <p:tgtEl>
+                                          <p:spTgt spid="3">
+                                            <p:txEl>
+                                              <p:pRg st="2" end="2"/>
+                                            </p:txEl>
+                                          </p:spTgt>
+                                        </p:tgtEl>
+                                        <p:attrNameLst>
+                                          <p:attrName>ppt_x</p:attrName>
+                                        </p:attrNameLst>
+                                      </p:cBhvr>
+                                      <p:tavLst>
+                                        <p:tav tm="0">
+                                          <p:val>
+                                            <p:strVal val="#ppt_x"/>
+                                          </p:val>
+                                        </p:tav>
+                                        <p:tav tm="100000">
+                                          <p:val>
+                                            <p:strVal val="#ppt_x"/>
+                                          </p:val>
+                                        </p:tav>
+                                      </p:tavLst>
+                                    </p:anim>
+                                    <p:anim calcmode="lin" valueType="num">
+                                      <p:cBhvr>
+                                        <p:cTn id="17" dur="900" decel="100000" fill="hold"/>
+                                        <p:tgtEl>
+                                          <p:spTgt spid="3">
+                                            <p:txEl>
+                                              <p:pRg st="2" end="2"/>
+                                            </p:txEl>
+                                          </p:spTgt>
+                                        </p:tgtEl>
+                                        <p:attrNameLst>
+                                          <p:attrName>ppt_y</p:attrName>
+                                        </p:attrNameLst>
+                                      </p:cBhvr>
+                                      <p:tavLst>
+                                        <p:tav tm="0">
+                                          <p:val>
+                                            <p:strVal val="#ppt_y+1"/>
+                                          </p:val>
+                                        </p:tav>
+                                        <p:tav tm="100000">
+                                          <p:val>
+                                            <p:strVal val="#ppt_y-.03"/>
+                                          </p:val>
+                                        </p:tav>
+                                      </p:tavLst>
+                                    </p:anim>
+                                    <p:anim calcmode="lin" valueType="num">
+                                      <p:cBhvr>
+                                        <p:cTn id="18" dur="100" accel="100000" fill="hold">
+                                          <p:stCondLst>
+                                            <p:cond delay="900"/>
+                                          </p:stCondLst>
+                                        </p:cTn>
+                                        <p:tgtEl>
+                                          <p:spTgt spid="3">
+                                            <p:txEl>
+                                              <p:pRg st="2" end="2"/>
+                                            </p:txEl>
+                                          </p:spTgt>
+                                        </p:tgtEl>
+                                        <p:attrNameLst>
+                                          <p:attrName>ppt_y</p:attrName>
+                                        </p:attrNameLst>
+                                      </p:cBhvr>
+                                      <p:tavLst>
+                                        <p:tav tm="0">
+                                          <p:val>
+                                            <p:strVal val="#ppt_y-.03"/>
+                                          </p:val>
+                                        </p:tav>
+                                        <p:tav tm="100000">
+                                          <p:val>
+                                            <p:strVal val="#ppt_y"/>
+                                          </p:val>
+                                        </p:tav>
+                                      </p:tavLst>
+                                    </p:anim>
+                                  </p:childTnLst>
+                                </p:cTn>
+                              </p:par>
+                            </p:childTnLst>
+                          </p:cTn>
+                        </p:par>
+                      </p:childTnLst>
+                    </p:cTn>
+                  </p:par>
+                </p:childTnLst>
+              </p:cTn>
+              <p:prevCondLst>
+                <p:cond evt="onPrev" delay="0">
+                  <p:tgtEl>
+                    <p:sldTgt/>
+                  </p:tgtEl>
+                </p:cond>
+              </p:prevCondLst>
+              <p:nextCondLst>
+                <p:cond evt="onNext" delay="0">
+                  <p:tgtEl>
+                    <p:sldTgt/>
+                  </p:tgtEl>
+                </p:cond>
+              </p:nextCondLst>
+            </p:seq>
+          </p:childTnLst>
+        </p:cTn>
+      </p:par>
+    </p:tnLst>
+  </p:timing>
+</p:sld>
+</file>
+
+<file path=ppt/slides/slide45.xml><?xml version="1.0" encoding="utf-8"?>
+<p:sld xmlns:a="http://schemas.openxmlformats.org/drawingml/2006/main" xmlns:r="http://schemas.openxmlformats.org/officeDocument/2006/relationships" xmlns:p="http://schemas.openxmlformats.org/presentationml/2006/main">
+  <p:cSld>
+    <p:spTree>
+      <p:nvGrpSpPr>
+        <p:cNvPr id="1" name=""/>
+        <p:cNvGrpSpPr/>
+        <p:nvPr/>
+      </p:nvGrpSpPr>
+      <p:grpSpPr>
+        <a:xfrm>
+          <a:off x="0" y="0"/>
+          <a:ext cx="0" cy="0"/>
+          <a:chOff x="0" y="0"/>
+          <a:chExt cx="0" cy="0"/>
+        </a:xfrm>
+      </p:grpSpPr>
+      <p:sp>
+        <p:nvSpPr>
+          <p:cNvPr id="2" name="Title 1">
+            <a:extLst>
+              <a:ext uri="{FF2B5EF4-FFF2-40B4-BE49-F238E27FC236}">
+                <a16:creationId xmlns:a16="http://schemas.microsoft.com/office/drawing/2014/main" id="{E0131F64-A000-034E-A115-49309B096DE9}"/>
+              </a:ext>
+            </a:extLst>
+          </p:cNvPr>
+          <p:cNvSpPr>
+            <a:spLocks noGrp="1"/>
+          </p:cNvSpPr>
+          <p:nvPr>
+            <p:ph type="title"/>
+          </p:nvPr>
+        </p:nvSpPr>
+        <p:spPr/>
+        <p:txBody>
+          <a:bodyPr/>
+          <a:lstStyle/>
+          <a:p>
+            <a:r>
+              <a:rPr lang="zh-CN" altLang="en-US" dirty="0"/>
+              <a:t>提问</a:t>
+            </a:r>
+            <a:endParaRPr lang="en-US" dirty="0"/>
+          </a:p>
+        </p:txBody>
+      </p:sp>
+      <p:sp>
+        <p:nvSpPr>
+          <p:cNvPr id="3" name="Text Placeholder 2">
+            <a:extLst>
+              <a:ext uri="{FF2B5EF4-FFF2-40B4-BE49-F238E27FC236}">
+                <a16:creationId xmlns:a16="http://schemas.microsoft.com/office/drawing/2014/main" id="{69E8771A-AED4-C844-97CC-8DA4D1940EEA}"/>
+              </a:ext>
+            </a:extLst>
+          </p:cNvPr>
+          <p:cNvSpPr>
+            <a:spLocks noGrp="1"/>
+          </p:cNvSpPr>
+          <p:nvPr>
+            <p:ph type="body" idx="1"/>
+          </p:nvPr>
+        </p:nvSpPr>
+        <p:spPr/>
+        <p:txBody>
+          <a:bodyPr/>
+          <a:lstStyle/>
+          <a:p>
+            <a:r>
+              <a:rPr lang="zh-CN" altLang="en-US" dirty="0"/>
+              <a:t>设计视觉框架的开发视觉语言研究阶段，通常需要考虑哪些因素？</a:t>
+            </a:r>
+          </a:p>
+          <a:p>
+            <a:endParaRPr lang="en-US" dirty="0"/>
+          </a:p>
+          <a:p>
+            <a:r>
+              <a:rPr lang="zh-CN" altLang="en-US" dirty="0"/>
+              <a:t>研究包括颜色、类型、小部件处理，以及整体的外形尺寸和界面的“材料属性”（比如界面像纸还是像玻璃）。</a:t>
+            </a:r>
+          </a:p>
+          <a:p>
+            <a:r>
+              <a:rPr lang="zh-CN" altLang="en-US" dirty="0"/>
+              <a:t>        考虑环境因素和人物角色的能力也同样重要。比如在强光下或者远距离也要能够看清楚屏幕，需要高对比度和更为饱和的色彩，上年纪的人和视力不好的人需要较大且易读的显示。</a:t>
+            </a:r>
+            <a:endParaRPr lang="en-US" dirty="0"/>
+          </a:p>
+          <a:p>
+            <a:endParaRPr lang="en-US" dirty="0"/>
+          </a:p>
+        </p:txBody>
+      </p:sp>
+    </p:spTree>
+    <p:extLst>
+      <p:ext uri="{BB962C8B-B14F-4D97-AF65-F5344CB8AC3E}">
+        <p14:creationId xmlns:p14="http://schemas.microsoft.com/office/powerpoint/2010/main" val="978441196"/>
+      </p:ext>
+    </p:extLst>
+  </p:cSld>
+  <p:clrMapOvr>
+    <a:masterClrMapping/>
+  </p:clrMapOvr>
+  <p:transition spd="med"/>
+  <p:timing>
+    <p:tnLst>
+      <p:par>
+        <p:cTn id="1" dur="indefinite" restart="never" nodeType="tmRoot">
+          <p:childTnLst>
+            <p:seq concurrent="1" nextAc="seek">
+              <p:cTn id="2" dur="indefinite" nodeType="mainSeq">
+                <p:childTnLst>
+                  <p:par>
+                    <p:cTn id="3" fill="hold">
+                      <p:stCondLst>
+                        <p:cond delay="indefinite"/>
+                      </p:stCondLst>
+                      <p:childTnLst>
+                        <p:par>
+                          <p:cTn id="4" fill="hold">
+                            <p:stCondLst>
+                              <p:cond delay="0"/>
+                            </p:stCondLst>
+                            <p:childTnLst>
+                              <p:par>
+                                <p:cTn id="5" presetID="37" presetClass="entr" presetSubtype="0" fill="hold" nodeType="clickEffect">
+                                  <p:stCondLst>
+                                    <p:cond delay="0"/>
+                                  </p:stCondLst>
+                                  <p:childTnLst>
+                                    <p:set>
+                                      <p:cBhvr>
+                                        <p:cTn id="6" dur="1" fill="hold">
+                                          <p:stCondLst>
+                                            <p:cond delay="0"/>
+                                          </p:stCondLst>
+                                        </p:cTn>
+                                        <p:tgtEl>
+                                          <p:spTgt spid="3">
+                                            <p:txEl>
+                                              <p:pRg st="0" end="0"/>
+                                            </p:txEl>
+                                          </p:spTgt>
+                                        </p:tgtEl>
+                                        <p:attrNameLst>
+                                          <p:attrName>style.visibility</p:attrName>
+                                        </p:attrNameLst>
+                                      </p:cBhvr>
+                                      <p:to>
+                                        <p:strVal val="visible"/>
+                                      </p:to>
+                                    </p:set>
+                                    <p:animEffect transition="in" filter="fade">
+                                      <p:cBhvr>
+                                        <p:cTn id="7" dur="1000"/>
+                                        <p:tgtEl>
+                                          <p:spTgt spid="3">
+                                            <p:txEl>
+                                              <p:pRg st="0" end="0"/>
+                                            </p:txEl>
+                                          </p:spTgt>
+                                        </p:tgtEl>
+                                      </p:cBhvr>
+                                    </p:animEffect>
+                                    <p:anim calcmode="lin" valueType="num">
+                                      <p:cBhvr>
+                                        <p:cTn id="8" dur="1000" fill="hold"/>
+                                        <p:tgtEl>
+                                          <p:spTgt spid="3">
+                                            <p:txEl>
+                                              <p:pRg st="0" end="0"/>
+                                            </p:txEl>
+                                          </p:spTgt>
+                                        </p:tgtEl>
+                                        <p:attrNameLst>
+                                          <p:attrName>ppt_x</p:attrName>
+                                        </p:attrNameLst>
+                                      </p:cBhvr>
+                                      <p:tavLst>
+                                        <p:tav tm="0">
+                                          <p:val>
+                                            <p:strVal val="#ppt_x"/>
+                                          </p:val>
+                                        </p:tav>
+                                        <p:tav tm="100000">
+                                          <p:val>
+                                            <p:strVal val="#ppt_x"/>
+                                          </p:val>
+                                        </p:tav>
+                                      </p:tavLst>
+                                    </p:anim>
+                                    <p:anim calcmode="lin" valueType="num">
+                                      <p:cBhvr>
+                                        <p:cTn id="9" dur="900" decel="100000" fill="hold"/>
+                                        <p:tgtEl>
+                                          <p:spTgt spid="3">
+                                            <p:txEl>
+                                              <p:pRg st="0" end="0"/>
+                                            </p:txEl>
+                                          </p:spTgt>
+                                        </p:tgtEl>
+                                        <p:attrNameLst>
+                                          <p:attrName>ppt_y</p:attrName>
+                                        </p:attrNameLst>
+                                      </p:cBhvr>
+                                      <p:tavLst>
+                                        <p:tav tm="0">
+                                          <p:val>
+                                            <p:strVal val="#ppt_y+1"/>
+                                          </p:val>
+                                        </p:tav>
+                                        <p:tav tm="100000">
+                                          <p:val>
+                                            <p:strVal val="#ppt_y-.03"/>
+                                          </p:val>
+                                        </p:tav>
+                                      </p:tavLst>
+                                    </p:anim>
+                                    <p:anim calcmode="lin" valueType="num">
+                                      <p:cBhvr>
+                                        <p:cTn id="10" dur="100" accel="100000" fill="hold">
+                                          <p:stCondLst>
+                                            <p:cond delay="900"/>
+                                          </p:stCondLst>
+                                        </p:cTn>
+                                        <p:tgtEl>
+                                          <p:spTgt spid="3">
+                                            <p:txEl>
+                                              <p:pRg st="0" end="0"/>
+                                            </p:txEl>
+                                          </p:spTgt>
+                                        </p:tgtEl>
+                                        <p:attrNameLst>
+                                          <p:attrName>ppt_y</p:attrName>
+                                        </p:attrNameLst>
+                                      </p:cBhvr>
+                                      <p:tavLst>
+                                        <p:tav tm="0">
+                                          <p:val>
+                                            <p:strVal val="#ppt_y-.03"/>
+                                          </p:val>
+                                        </p:tav>
+                                        <p:tav tm="100000">
+                                          <p:val>
+                                            <p:strVal val="#ppt_y"/>
+                                          </p:val>
+                                        </p:tav>
+                                      </p:tavLst>
+                                    </p:anim>
+                                  </p:childTnLst>
+                                </p:cTn>
+                              </p:par>
+                            </p:childTnLst>
+                          </p:cTn>
+                        </p:par>
+                      </p:childTnLst>
+                    </p:cTn>
+                  </p:par>
+                  <p:par>
+                    <p:cTn id="11" fill="hold">
+                      <p:stCondLst>
+                        <p:cond delay="indefinite"/>
+                      </p:stCondLst>
+                      <p:childTnLst>
+                        <p:par>
+                          <p:cTn id="12" fill="hold">
+                            <p:stCondLst>
+                              <p:cond delay="0"/>
+                            </p:stCondLst>
+                            <p:childTnLst>
+                              <p:par>
+                                <p:cTn id="13" presetID="37" presetClass="entr" presetSubtype="0" fill="hold" nodeType="clickEffect">
+                                  <p:stCondLst>
+                                    <p:cond delay="0"/>
+                                  </p:stCondLst>
+                                  <p:childTnLst>
+                                    <p:set>
+                                      <p:cBhvr>
+                                        <p:cTn id="14" dur="1" fill="hold">
+                                          <p:stCondLst>
+                                            <p:cond delay="0"/>
+                                          </p:stCondLst>
+                                        </p:cTn>
+                                        <p:tgtEl>
+                                          <p:spTgt spid="3">
+                                            <p:txEl>
+                                              <p:pRg st="2" end="2"/>
+                                            </p:txEl>
+                                          </p:spTgt>
+                                        </p:tgtEl>
+                                        <p:attrNameLst>
+                                          <p:attrName>style.visibility</p:attrName>
+                                        </p:attrNameLst>
+                                      </p:cBhvr>
+                                      <p:to>
+                                        <p:strVal val="visible"/>
+                                      </p:to>
+                                    </p:set>
+                                    <p:animEffect transition="in" filter="fade">
+                                      <p:cBhvr>
+                                        <p:cTn id="15" dur="1000"/>
+                                        <p:tgtEl>
+                                          <p:spTgt spid="3">
+                                            <p:txEl>
+                                              <p:pRg st="2" end="2"/>
+                                            </p:txEl>
+                                          </p:spTgt>
+                                        </p:tgtEl>
+                                      </p:cBhvr>
+                                    </p:animEffect>
+                                    <p:anim calcmode="lin" valueType="num">
+                                      <p:cBhvr>
+                                        <p:cTn id="16" dur="1000" fill="hold"/>
+                                        <p:tgtEl>
+                                          <p:spTgt spid="3">
+                                            <p:txEl>
+                                              <p:pRg st="2" end="2"/>
+                                            </p:txEl>
+                                          </p:spTgt>
+                                        </p:tgtEl>
+                                        <p:attrNameLst>
+                                          <p:attrName>ppt_x</p:attrName>
+                                        </p:attrNameLst>
+                                      </p:cBhvr>
+                                      <p:tavLst>
+                                        <p:tav tm="0">
+                                          <p:val>
+                                            <p:strVal val="#ppt_x"/>
+                                          </p:val>
+                                        </p:tav>
+                                        <p:tav tm="100000">
+                                          <p:val>
+                                            <p:strVal val="#ppt_x"/>
+                                          </p:val>
+                                        </p:tav>
+                                      </p:tavLst>
+                                    </p:anim>
+                                    <p:anim calcmode="lin" valueType="num">
+                                      <p:cBhvr>
+                                        <p:cTn id="17" dur="900" decel="100000" fill="hold"/>
+                                        <p:tgtEl>
+                                          <p:spTgt spid="3">
+                                            <p:txEl>
+                                              <p:pRg st="2" end="2"/>
+                                            </p:txEl>
+                                          </p:spTgt>
+                                        </p:tgtEl>
+                                        <p:attrNameLst>
+                                          <p:attrName>ppt_y</p:attrName>
+                                        </p:attrNameLst>
+                                      </p:cBhvr>
+                                      <p:tavLst>
+                                        <p:tav tm="0">
+                                          <p:val>
+                                            <p:strVal val="#ppt_y+1"/>
+                                          </p:val>
+                                        </p:tav>
+                                        <p:tav tm="100000">
+                                          <p:val>
+                                            <p:strVal val="#ppt_y-.03"/>
+                                          </p:val>
+                                        </p:tav>
+                                      </p:tavLst>
+                                    </p:anim>
+                                    <p:anim calcmode="lin" valueType="num">
+                                      <p:cBhvr>
+                                        <p:cTn id="18" dur="100" accel="100000" fill="hold">
+                                          <p:stCondLst>
+                                            <p:cond delay="900"/>
+                                          </p:stCondLst>
+                                        </p:cTn>
+                                        <p:tgtEl>
+                                          <p:spTgt spid="3">
+                                            <p:txEl>
+                                              <p:pRg st="2" end="2"/>
+                                            </p:txEl>
+                                          </p:spTgt>
+                                        </p:tgtEl>
+                                        <p:attrNameLst>
+                                          <p:attrName>ppt_y</p:attrName>
+                                        </p:attrNameLst>
+                                      </p:cBhvr>
+                                      <p:tavLst>
+                                        <p:tav tm="0">
+                                          <p:val>
+                                            <p:strVal val="#ppt_y-.03"/>
+                                          </p:val>
+                                        </p:tav>
+                                        <p:tav tm="100000">
+                                          <p:val>
+                                            <p:strVal val="#ppt_y"/>
+                                          </p:val>
+                                        </p:tav>
+                                      </p:tavLst>
+                                    </p:anim>
+                                  </p:childTnLst>
+                                </p:cTn>
+                              </p:par>
+                              <p:par>
+                                <p:cTn id="19" presetID="37" presetClass="entr" presetSubtype="0" fill="hold" nodeType="withEffect">
+                                  <p:stCondLst>
+                                    <p:cond delay="0"/>
+                                  </p:stCondLst>
+                                  <p:childTnLst>
+                                    <p:set>
+                                      <p:cBhvr>
+                                        <p:cTn id="20" dur="1" fill="hold">
+                                          <p:stCondLst>
+                                            <p:cond delay="0"/>
+                                          </p:stCondLst>
+                                        </p:cTn>
+                                        <p:tgtEl>
+                                          <p:spTgt spid="3">
+                                            <p:txEl>
+                                              <p:pRg st="3" end="3"/>
+                                            </p:txEl>
+                                          </p:spTgt>
+                                        </p:tgtEl>
+                                        <p:attrNameLst>
+                                          <p:attrName>style.visibility</p:attrName>
+                                        </p:attrNameLst>
+                                      </p:cBhvr>
+                                      <p:to>
+                                        <p:strVal val="visible"/>
+                                      </p:to>
+                                    </p:set>
+                                    <p:animEffect transition="in" filter="fade">
+                                      <p:cBhvr>
+                                        <p:cTn id="21" dur="1000"/>
+                                        <p:tgtEl>
+                                          <p:spTgt spid="3">
+                                            <p:txEl>
+                                              <p:pRg st="3" end="3"/>
+                                            </p:txEl>
+                                          </p:spTgt>
+                                        </p:tgtEl>
+                                      </p:cBhvr>
+                                    </p:animEffect>
+                                    <p:anim calcmode="lin" valueType="num">
+                                      <p:cBhvr>
+                                        <p:cTn id="22" dur="1000" fill="hold"/>
+                                        <p:tgtEl>
+                                          <p:spTgt spid="3">
+                                            <p:txEl>
+                                              <p:pRg st="3" end="3"/>
+                                            </p:txEl>
+                                          </p:spTgt>
+                                        </p:tgtEl>
+                                        <p:attrNameLst>
+                                          <p:attrName>ppt_x</p:attrName>
+                                        </p:attrNameLst>
+                                      </p:cBhvr>
+                                      <p:tavLst>
+                                        <p:tav tm="0">
+                                          <p:val>
+                                            <p:strVal val="#ppt_x"/>
+                                          </p:val>
+                                        </p:tav>
+                                        <p:tav tm="100000">
+                                          <p:val>
+                                            <p:strVal val="#ppt_x"/>
+                                          </p:val>
+                                        </p:tav>
+                                      </p:tavLst>
+                                    </p:anim>
+                                    <p:anim calcmode="lin" valueType="num">
+                                      <p:cBhvr>
+                                        <p:cTn id="23" dur="900" decel="100000" fill="hold"/>
+                                        <p:tgtEl>
+                                          <p:spTgt spid="3">
+                                            <p:txEl>
+                                              <p:pRg st="3" end="3"/>
+                                            </p:txEl>
+                                          </p:spTgt>
+                                        </p:tgtEl>
+                                        <p:attrNameLst>
+                                          <p:attrName>ppt_y</p:attrName>
+                                        </p:attrNameLst>
+                                      </p:cBhvr>
+                                      <p:tavLst>
+                                        <p:tav tm="0">
+                                          <p:val>
+                                            <p:strVal val="#ppt_y+1"/>
+                                          </p:val>
+                                        </p:tav>
+                                        <p:tav tm="100000">
+                                          <p:val>
+                                            <p:strVal val="#ppt_y-.03"/>
+                                          </p:val>
+                                        </p:tav>
+                                      </p:tavLst>
+                                    </p:anim>
+                                    <p:anim calcmode="lin" valueType="num">
+                                      <p:cBhvr>
+                                        <p:cTn id="24" dur="100" accel="100000" fill="hold">
+                                          <p:stCondLst>
+                                            <p:cond delay="900"/>
+                                          </p:stCondLst>
+                                        </p:cTn>
+                                        <p:tgtEl>
+                                          <p:spTgt spid="3">
+                                            <p:txEl>
+                                              <p:pRg st="3" end="3"/>
+                                            </p:txEl>
+                                          </p:spTgt>
+                                        </p:tgtEl>
+                                        <p:attrNameLst>
+                                          <p:attrName>ppt_y</p:attrName>
+                                        </p:attrNameLst>
+                                      </p:cBhvr>
+                                      <p:tavLst>
+                                        <p:tav tm="0">
+                                          <p:val>
+                                            <p:strVal val="#ppt_y-.03"/>
+                                          </p:val>
+                                        </p:tav>
+                                        <p:tav tm="100000">
+                                          <p:val>
+                                            <p:strVal val="#ppt_y"/>
+                                          </p:val>
+                                        </p:tav>
+                                      </p:tavLst>
+                                    </p:anim>
+                                  </p:childTnLst>
+                                </p:cTn>
+                              </p:par>
+                            </p:childTnLst>
+                          </p:cTn>
+                        </p:par>
+                      </p:childTnLst>
+                    </p:cTn>
+                  </p:par>
+                </p:childTnLst>
+              </p:cTn>
+              <p:prevCondLst>
+                <p:cond evt="onPrev" delay="0">
+                  <p:tgtEl>
+                    <p:sldTgt/>
+                  </p:tgtEl>
+                </p:cond>
+              </p:prevCondLst>
+              <p:nextCondLst>
+                <p:cond evt="onNext" delay="0">
+                  <p:tgtEl>
+                    <p:sldTgt/>
+                  </p:tgtEl>
+                </p:cond>
+              </p:nextCondLst>
+            </p:seq>
+          </p:childTnLst>
+        </p:cTn>
+      </p:par>
+    </p:tnLst>
+  </p:timing>
+</p:sld>
+</file>
+
+<file path=ppt/slides/slide46.xml><?xml version="1.0" encoding="utf-8"?>
+<p:sld xmlns:a="http://schemas.openxmlformats.org/drawingml/2006/main" xmlns:r="http://schemas.openxmlformats.org/officeDocument/2006/relationships" xmlns:p="http://schemas.openxmlformats.org/presentationml/2006/main">
+  <p:cSld>
+    <p:spTree>
+      <p:nvGrpSpPr>
+        <p:cNvPr id="1" name=""/>
+        <p:cNvGrpSpPr/>
+        <p:nvPr/>
+      </p:nvGrpSpPr>
+      <p:grpSpPr>
+        <a:xfrm>
+          <a:off x="0" y="0"/>
+          <a:ext cx="0" cy="0"/>
+          <a:chOff x="0" y="0"/>
+          <a:chExt cx="0" cy="0"/>
+        </a:xfrm>
+      </p:grpSpPr>
+      <p:sp>
+        <p:nvSpPr>
           <p:cNvPr id="301" name="小组成员绩效"/>
           <p:cNvSpPr txBox="1">
             <a:spLocks noGrp="1"/>
@@ -29660,7 +30671,7 @@
           </a:prstGeom>
           <a:extLst>
             <a:ext uri="{C572A759-6A51-4108-AA02-DFA0A04FC94B}">
-              <ma14:wrappingTextBoxFlag xmlns:ma14="http://schemas.microsoft.com/office/mac/drawingml/2011/main" xmlns:a14="http://schemas.microsoft.com/office/drawing/2010/main" xmlns:m="http://schemas.openxmlformats.org/officeDocument/2006/math" xmlns="" val="1"/>
+              <ma14:wrappingTextBoxFlag xmlns="" xmlns:m="http://schemas.openxmlformats.org/officeDocument/2006/math" xmlns:a14="http://schemas.microsoft.com/office/drawing/2010/main" xmlns:ma14="http://schemas.microsoft.com/office/mac/drawingml/2011/main" val="1"/>
             </a:ext>
           </a:extLst>
         </p:spPr>
@@ -29669,7 +30680,7 @@
           <a:lstStyle/>
           <a:p>
             <a:fld id="{86CB4B4D-7CA3-9044-876B-883B54F8677D}" type="slidenum">
-              <a:t>44</a:t>
+              <a:t>46</a:t>
             </a:fld>
             <a:endParaRPr/>
           </a:p>
@@ -29681,7 +30692,7 @@
     <a:masterClrMapping/>
   </p:clrMapOvr>
   <p:transition spd="slow">
-    <p:fade/>
+    <p:push dir="u"/>
   </p:transition>
 </p:sld>
 </file>
@@ -29794,7 +30805,7 @@
           </a:effectLst>
           <a:extLst>
             <a:ext uri="{C572A759-6A51-4108-AA02-DFA0A04FC94B}">
-              <ma14:wrappingTextBoxFlag xmlns:ma14="http://schemas.microsoft.com/office/mac/drawingml/2011/main" xmlns:a14="http://schemas.microsoft.com/office/drawing/2010/main" xmlns:m="http://schemas.openxmlformats.org/officeDocument/2006/math" xmlns="" val="1"/>
+              <ma14:wrappingTextBoxFlag xmlns="" xmlns:m="http://schemas.openxmlformats.org/officeDocument/2006/math" xmlns:a14="http://schemas.microsoft.com/office/drawing/2010/main" xmlns:ma14="http://schemas.microsoft.com/office/mac/drawingml/2011/main" val="1"/>
             </a:ext>
           </a:extLst>
         </p:spPr>
@@ -29845,7 +30856,7 @@
           </a:effectLst>
           <a:extLst>
             <a:ext uri="{C572A759-6A51-4108-AA02-DFA0A04FC94B}">
-              <ma14:wrappingTextBoxFlag xmlns:ma14="http://schemas.microsoft.com/office/mac/drawingml/2011/main" xmlns:a14="http://schemas.microsoft.com/office/drawing/2010/main" xmlns:m="http://schemas.openxmlformats.org/officeDocument/2006/math" xmlns="" val="1"/>
+              <ma14:wrappingTextBoxFlag xmlns="" xmlns:m="http://schemas.openxmlformats.org/officeDocument/2006/math" xmlns:a14="http://schemas.microsoft.com/office/drawing/2010/main" xmlns:ma14="http://schemas.microsoft.com/office/mac/drawingml/2011/main" val="1"/>
             </a:ext>
           </a:extLst>
         </p:spPr>
@@ -29896,7 +30907,7 @@
           </a:effectLst>
           <a:extLst>
             <a:ext uri="{C572A759-6A51-4108-AA02-DFA0A04FC94B}">
-              <ma14:wrappingTextBoxFlag xmlns:ma14="http://schemas.microsoft.com/office/mac/drawingml/2011/main" xmlns:a14="http://schemas.microsoft.com/office/drawing/2010/main" xmlns:m="http://schemas.openxmlformats.org/officeDocument/2006/math" xmlns="" val="1"/>
+              <ma14:wrappingTextBoxFlag xmlns="" xmlns:m="http://schemas.openxmlformats.org/officeDocument/2006/math" xmlns:a14="http://schemas.microsoft.com/office/drawing/2010/main" xmlns:ma14="http://schemas.microsoft.com/office/mac/drawingml/2011/main" val="1"/>
             </a:ext>
           </a:extLst>
         </p:spPr>
@@ -29947,7 +30958,7 @@
           </a:effectLst>
           <a:extLst>
             <a:ext uri="{C572A759-6A51-4108-AA02-DFA0A04FC94B}">
-              <ma14:wrappingTextBoxFlag xmlns:ma14="http://schemas.microsoft.com/office/mac/drawingml/2011/main" xmlns:a14="http://schemas.microsoft.com/office/drawing/2010/main" xmlns:m="http://schemas.openxmlformats.org/officeDocument/2006/math" xmlns="" val="1"/>
+              <ma14:wrappingTextBoxFlag xmlns="" xmlns:m="http://schemas.openxmlformats.org/officeDocument/2006/math" xmlns:a14="http://schemas.microsoft.com/office/drawing/2010/main" xmlns:ma14="http://schemas.microsoft.com/office/mac/drawingml/2011/main" val="1"/>
             </a:ext>
           </a:extLst>
         </p:spPr>
@@ -29998,7 +31009,7 @@
           </a:effectLst>
           <a:extLst>
             <a:ext uri="{C572A759-6A51-4108-AA02-DFA0A04FC94B}">
-              <ma14:wrappingTextBoxFlag xmlns:ma14="http://schemas.microsoft.com/office/mac/drawingml/2011/main" xmlns:a14="http://schemas.microsoft.com/office/drawing/2010/main" xmlns:m="http://schemas.openxmlformats.org/officeDocument/2006/math" xmlns="" val="1"/>
+              <ma14:wrappingTextBoxFlag xmlns="" xmlns:m="http://schemas.openxmlformats.org/officeDocument/2006/math" xmlns:a14="http://schemas.microsoft.com/office/drawing/2010/main" xmlns:ma14="http://schemas.microsoft.com/office/mac/drawingml/2011/main" val="1"/>
             </a:ext>
           </a:extLst>
         </p:spPr>
@@ -30035,7 +31046,7 @@
           </a:ln>
           <a:extLst>
             <a:ext uri="{C572A759-6A51-4108-AA02-DFA0A04FC94B}">
-              <ma14:wrappingTextBoxFlag xmlns:ma14="http://schemas.microsoft.com/office/mac/drawingml/2011/main" xmlns:a14="http://schemas.microsoft.com/office/drawing/2010/main" xmlns:m="http://schemas.openxmlformats.org/officeDocument/2006/math" xmlns="" val="1"/>
+              <ma14:wrappingTextBoxFlag xmlns="" xmlns:m="http://schemas.openxmlformats.org/officeDocument/2006/math" xmlns:a14="http://schemas.microsoft.com/office/drawing/2010/main" xmlns:ma14="http://schemas.microsoft.com/office/mac/drawingml/2011/main" val="1"/>
             </a:ext>
           </a:extLst>
         </p:spPr>
@@ -30074,7 +31085,7 @@
           </a:ln>
           <a:extLst>
             <a:ext uri="{C572A759-6A51-4108-AA02-DFA0A04FC94B}">
-              <ma14:wrappingTextBoxFlag xmlns:ma14="http://schemas.microsoft.com/office/mac/drawingml/2011/main" xmlns:a14="http://schemas.microsoft.com/office/drawing/2010/main" xmlns:m="http://schemas.openxmlformats.org/officeDocument/2006/math" xmlns="" val="1"/>
+              <ma14:wrappingTextBoxFlag xmlns="" xmlns:m="http://schemas.openxmlformats.org/officeDocument/2006/math" xmlns:a14="http://schemas.microsoft.com/office/drawing/2010/main" xmlns:ma14="http://schemas.microsoft.com/office/mac/drawingml/2011/main" val="1"/>
             </a:ext>
           </a:extLst>
         </p:spPr>
@@ -30113,7 +31124,7 @@
           </a:ln>
           <a:extLst>
             <a:ext uri="{C572A759-6A51-4108-AA02-DFA0A04FC94B}">
-              <ma14:wrappingTextBoxFlag xmlns:ma14="http://schemas.microsoft.com/office/mac/drawingml/2011/main" xmlns:a14="http://schemas.microsoft.com/office/drawing/2010/main" xmlns:m="http://schemas.openxmlformats.org/officeDocument/2006/math" xmlns="" val="1"/>
+              <ma14:wrappingTextBoxFlag xmlns="" xmlns:m="http://schemas.openxmlformats.org/officeDocument/2006/math" xmlns:a14="http://schemas.microsoft.com/office/drawing/2010/main" xmlns:ma14="http://schemas.microsoft.com/office/mac/drawingml/2011/main" val="1"/>
             </a:ext>
           </a:extLst>
         </p:spPr>
@@ -30152,7 +31163,7 @@
           </a:ln>
           <a:extLst>
             <a:ext uri="{C572A759-6A51-4108-AA02-DFA0A04FC94B}">
-              <ma14:wrappingTextBoxFlag xmlns:ma14="http://schemas.microsoft.com/office/mac/drawingml/2011/main" xmlns:a14="http://schemas.microsoft.com/office/drawing/2010/main" xmlns:m="http://schemas.openxmlformats.org/officeDocument/2006/math" xmlns="" val="1"/>
+              <ma14:wrappingTextBoxFlag xmlns="" xmlns:m="http://schemas.openxmlformats.org/officeDocument/2006/math" xmlns:a14="http://schemas.microsoft.com/office/drawing/2010/main" xmlns:ma14="http://schemas.microsoft.com/office/mac/drawingml/2011/main" val="1"/>
             </a:ext>
           </a:extLst>
         </p:spPr>
@@ -30308,7 +31319,7 @@
           </a:prstGeom>
           <a:extLst>
             <a:ext uri="{C572A759-6A51-4108-AA02-DFA0A04FC94B}">
-              <ma14:wrappingTextBoxFlag xmlns:ma14="http://schemas.microsoft.com/office/mac/drawingml/2011/main" xmlns:a14="http://schemas.microsoft.com/office/drawing/2010/main" xmlns:m="http://schemas.openxmlformats.org/officeDocument/2006/math" xmlns="" val="1"/>
+              <ma14:wrappingTextBoxFlag xmlns="" xmlns:m="http://schemas.openxmlformats.org/officeDocument/2006/math" xmlns:a14="http://schemas.microsoft.com/office/drawing/2010/main" xmlns:ma14="http://schemas.microsoft.com/office/mac/drawingml/2011/main" val="1"/>
             </a:ext>
           </a:extLst>
         </p:spPr>
@@ -30329,7 +31340,7 @@
     <a:masterClrMapping/>
   </p:clrMapOvr>
   <p:transition spd="slow">
-    <p:fade/>
+    <p:push dir="u"/>
   </p:transition>
 </p:sld>
 </file>
@@ -30447,7 +31458,7 @@
           </a:prstGeom>
           <a:extLst>
             <a:ext uri="{C572A759-6A51-4108-AA02-DFA0A04FC94B}">
-              <ma14:wrappingTextBoxFlag xmlns:ma14="http://schemas.microsoft.com/office/mac/drawingml/2011/main" xmlns:a14="http://schemas.microsoft.com/office/drawing/2010/main" xmlns:m="http://schemas.openxmlformats.org/officeDocument/2006/math" xmlns="" val="1"/>
+              <ma14:wrappingTextBoxFlag xmlns="" xmlns:m="http://schemas.openxmlformats.org/officeDocument/2006/math" xmlns:a14="http://schemas.microsoft.com/office/drawing/2010/main" xmlns:ma14="http://schemas.microsoft.com/office/mac/drawingml/2011/main" val="1"/>
             </a:ext>
           </a:extLst>
         </p:spPr>
@@ -30468,7 +31479,7 @@
     <a:masterClrMapping/>
   </p:clrMapOvr>
   <p:transition spd="slow">
-    <p:fade/>
+    <p:push dir="u"/>
   </p:transition>
 </p:sld>
 </file>
@@ -30568,7 +31579,7 @@
           </a:prstGeom>
           <a:extLst>
             <a:ext uri="{C572A759-6A51-4108-AA02-DFA0A04FC94B}">
-              <ma14:wrappingTextBoxFlag xmlns:ma14="http://schemas.microsoft.com/office/mac/drawingml/2011/main" xmlns:a14="http://schemas.microsoft.com/office/drawing/2010/main" xmlns:m="http://schemas.openxmlformats.org/officeDocument/2006/math" xmlns="" val="1"/>
+              <ma14:wrappingTextBoxFlag xmlns="" xmlns:m="http://schemas.openxmlformats.org/officeDocument/2006/math" xmlns:a14="http://schemas.microsoft.com/office/drawing/2010/main" xmlns:ma14="http://schemas.microsoft.com/office/mac/drawingml/2011/main" val="1"/>
             </a:ext>
           </a:extLst>
         </p:spPr>
@@ -30589,7 +31600,7 @@
     <a:masterClrMapping/>
   </p:clrMapOvr>
   <p:transition spd="slow">
-    <p:fade/>
+    <p:push dir="u"/>
   </p:transition>
 </p:sld>
 </file>
@@ -30688,7 +31699,7 @@
           </a:ln>
           <a:extLst>
             <a:ext uri="{C572A759-6A51-4108-AA02-DFA0A04FC94B}">
-              <ma14:wrappingTextBoxFlag xmlns:ma14="http://schemas.microsoft.com/office/mac/drawingml/2011/main" xmlns:a14="http://schemas.microsoft.com/office/drawing/2010/main" xmlns:m="http://schemas.openxmlformats.org/officeDocument/2006/math" xmlns="" val="1"/>
+              <ma14:wrappingTextBoxFlag xmlns="" xmlns:m="http://schemas.openxmlformats.org/officeDocument/2006/math" xmlns:a14="http://schemas.microsoft.com/office/drawing/2010/main" xmlns:ma14="http://schemas.microsoft.com/office/mac/drawingml/2011/main" val="1"/>
             </a:ext>
           </a:extLst>
         </p:spPr>
@@ -30724,7 +31735,7 @@
           </a:prstGeom>
           <a:extLst>
             <a:ext uri="{C572A759-6A51-4108-AA02-DFA0A04FC94B}">
-              <ma14:wrappingTextBoxFlag xmlns:ma14="http://schemas.microsoft.com/office/mac/drawingml/2011/main" xmlns:a14="http://schemas.microsoft.com/office/drawing/2010/main" xmlns:m="http://schemas.openxmlformats.org/officeDocument/2006/math" xmlns="" val="1"/>
+              <ma14:wrappingTextBoxFlag xmlns="" xmlns:m="http://schemas.openxmlformats.org/officeDocument/2006/math" xmlns:a14="http://schemas.microsoft.com/office/drawing/2010/main" xmlns:ma14="http://schemas.microsoft.com/office/mac/drawingml/2011/main" val="1"/>
             </a:ext>
           </a:extLst>
         </p:spPr>
@@ -30745,7 +31756,7 @@
     <a:masterClrMapping/>
   </p:clrMapOvr>
   <p:transition spd="slow">
-    <p:fade/>
+    <p:push dir="u"/>
   </p:transition>
 </p:sld>
 </file>
@@ -30858,7 +31869,7 @@
           </a:prstGeom>
           <a:extLst>
             <a:ext uri="{C572A759-6A51-4108-AA02-DFA0A04FC94B}">
-              <ma14:wrappingTextBoxFlag xmlns:ma14="http://schemas.microsoft.com/office/mac/drawingml/2011/main" xmlns:a14="http://schemas.microsoft.com/office/drawing/2010/main" xmlns:m="http://schemas.openxmlformats.org/officeDocument/2006/math" xmlns="" val="1"/>
+              <ma14:wrappingTextBoxFlag xmlns="" xmlns:m="http://schemas.openxmlformats.org/officeDocument/2006/math" xmlns:a14="http://schemas.microsoft.com/office/drawing/2010/main" xmlns:ma14="http://schemas.microsoft.com/office/mac/drawingml/2011/main" val="1"/>
             </a:ext>
           </a:extLst>
         </p:spPr>
@@ -30879,7 +31890,7 @@
     <a:masterClrMapping/>
   </p:clrMapOvr>
   <p:transition spd="slow">
-    <p:fade/>
+    <p:push dir="u"/>
   </p:transition>
 </p:sld>
 </file>
